--- a/PPT/WorkShop/REST Service.pptx
+++ b/PPT/WorkShop/REST Service.pptx
@@ -7,13 +7,15 @@
   <p:sldIdLst>
     <p:sldId id="257" r:id="rId2"/>
     <p:sldId id="258" r:id="rId3"/>
-    <p:sldId id="259" r:id="rId4"/>
-    <p:sldId id="260" r:id="rId5"/>
-    <p:sldId id="261" r:id="rId6"/>
-    <p:sldId id="262" r:id="rId7"/>
-    <p:sldId id="263" r:id="rId8"/>
-    <p:sldId id="264" r:id="rId9"/>
-    <p:sldId id="256" r:id="rId10"/>
+    <p:sldId id="265" r:id="rId4"/>
+    <p:sldId id="266" r:id="rId5"/>
+    <p:sldId id="259" r:id="rId6"/>
+    <p:sldId id="260" r:id="rId7"/>
+    <p:sldId id="261" r:id="rId8"/>
+    <p:sldId id="262" r:id="rId9"/>
+    <p:sldId id="263" r:id="rId10"/>
+    <p:sldId id="264" r:id="rId11"/>
+    <p:sldId id="256" r:id="rId12"/>
   </p:sldIdLst>
   <p:sldSz cx="12192000" cy="6858000"/>
   <p:notesSz cx="6858000" cy="9144000"/>
@@ -269,7 +271,7 @@
           <a:p>
             <a:fld id="{3B9E93D0-FF20-471C-AFC4-167D49AECE01}" type="datetimeFigureOut">
               <a:rPr lang="en-PH" smtClean="0"/>
-              <a:t>05/07/2019</a:t>
+              <a:t>10/31/2019</a:t>
             </a:fld>
             <a:endParaRPr lang="en-PH"/>
           </a:p>
@@ -469,7 +471,7 @@
           <a:p>
             <a:fld id="{3B9E93D0-FF20-471C-AFC4-167D49AECE01}" type="datetimeFigureOut">
               <a:rPr lang="en-PH" smtClean="0"/>
-              <a:t>05/07/2019</a:t>
+              <a:t>10/31/2019</a:t>
             </a:fld>
             <a:endParaRPr lang="en-PH"/>
           </a:p>
@@ -679,7 +681,7 @@
           <a:p>
             <a:fld id="{3B9E93D0-FF20-471C-AFC4-167D49AECE01}" type="datetimeFigureOut">
               <a:rPr lang="en-PH" smtClean="0"/>
-              <a:t>05/07/2019</a:t>
+              <a:t>10/31/2019</a:t>
             </a:fld>
             <a:endParaRPr lang="en-PH"/>
           </a:p>
@@ -879,7 +881,7 @@
           <a:p>
             <a:fld id="{3B9E93D0-FF20-471C-AFC4-167D49AECE01}" type="datetimeFigureOut">
               <a:rPr lang="en-PH" smtClean="0"/>
-              <a:t>05/07/2019</a:t>
+              <a:t>10/31/2019</a:t>
             </a:fld>
             <a:endParaRPr lang="en-PH"/>
           </a:p>
@@ -1155,7 +1157,7 @@
           <a:p>
             <a:fld id="{3B9E93D0-FF20-471C-AFC4-167D49AECE01}" type="datetimeFigureOut">
               <a:rPr lang="en-PH" smtClean="0"/>
-              <a:t>05/07/2019</a:t>
+              <a:t>10/31/2019</a:t>
             </a:fld>
             <a:endParaRPr lang="en-PH"/>
           </a:p>
@@ -1423,7 +1425,7 @@
           <a:p>
             <a:fld id="{3B9E93D0-FF20-471C-AFC4-167D49AECE01}" type="datetimeFigureOut">
               <a:rPr lang="en-PH" smtClean="0"/>
-              <a:t>05/07/2019</a:t>
+              <a:t>10/31/2019</a:t>
             </a:fld>
             <a:endParaRPr lang="en-PH"/>
           </a:p>
@@ -1838,7 +1840,7 @@
           <a:p>
             <a:fld id="{3B9E93D0-FF20-471C-AFC4-167D49AECE01}" type="datetimeFigureOut">
               <a:rPr lang="en-PH" smtClean="0"/>
-              <a:t>05/07/2019</a:t>
+              <a:t>10/31/2019</a:t>
             </a:fld>
             <a:endParaRPr lang="en-PH"/>
           </a:p>
@@ -1980,7 +1982,7 @@
           <a:p>
             <a:fld id="{3B9E93D0-FF20-471C-AFC4-167D49AECE01}" type="datetimeFigureOut">
               <a:rPr lang="en-PH" smtClean="0"/>
-              <a:t>05/07/2019</a:t>
+              <a:t>10/31/2019</a:t>
             </a:fld>
             <a:endParaRPr lang="en-PH"/>
           </a:p>
@@ -2093,7 +2095,7 @@
           <a:p>
             <a:fld id="{3B9E93D0-FF20-471C-AFC4-167D49AECE01}" type="datetimeFigureOut">
               <a:rPr lang="en-PH" smtClean="0"/>
-              <a:t>05/07/2019</a:t>
+              <a:t>10/31/2019</a:t>
             </a:fld>
             <a:endParaRPr lang="en-PH"/>
           </a:p>
@@ -2406,7 +2408,7 @@
           <a:p>
             <a:fld id="{3B9E93D0-FF20-471C-AFC4-167D49AECE01}" type="datetimeFigureOut">
               <a:rPr lang="en-PH" smtClean="0"/>
-              <a:t>05/07/2019</a:t>
+              <a:t>10/31/2019</a:t>
             </a:fld>
             <a:endParaRPr lang="en-PH"/>
           </a:p>
@@ -2695,7 +2697,7 @@
           <a:p>
             <a:fld id="{3B9E93D0-FF20-471C-AFC4-167D49AECE01}" type="datetimeFigureOut">
               <a:rPr lang="en-PH" smtClean="0"/>
-              <a:t>05/07/2019</a:t>
+              <a:t>10/31/2019</a:t>
             </a:fld>
             <a:endParaRPr lang="en-PH"/>
           </a:p>
@@ -2938,7 +2940,7 @@
           <a:p>
             <a:fld id="{3B9E93D0-FF20-471C-AFC4-167D49AECE01}" type="datetimeFigureOut">
               <a:rPr lang="en-PH" smtClean="0"/>
-              <a:t>05/07/2019</a:t>
+              <a:t>10/31/2019</a:t>
             </a:fld>
             <a:endParaRPr lang="en-PH"/>
           </a:p>
@@ -3391,7 +3393,7 @@
           <a:p>
             <a:r>
               <a:rPr lang="en-PH" dirty="0"/>
-              <a:t>Cross-Platform User Interface with Xamarin Forms</a:t>
+              <a:t>Consuming a REST Service</a:t>
             </a:r>
             <a:endParaRPr lang="ru-RU" dirty="0">
               <a:solidFill>
@@ -3463,7 +3465,7 @@
         <p:spPr>
           <a:xfrm>
             <a:off x="716335" y="3172777"/>
-            <a:ext cx="6976175" cy="830997"/>
+            <a:ext cx="7347149" cy="830997"/>
           </a:xfrm>
           <a:prstGeom prst="rect">
             <a:avLst/>
@@ -3478,18 +3480,18 @@
           <a:p>
             <a:r>
               <a:rPr lang="en-PH" sz="2400" dirty="0"/>
-              <a:t>Joseph Christopher </a:t>
+              <a:t>Reynaldo </a:t>
             </a:r>
             <a:r>
               <a:rPr lang="en-PH" sz="2400" dirty="0" err="1"/>
-              <a:t>Cadag</a:t>
+              <a:t>Monares</a:t>
             </a:r>
             <a:endParaRPr lang="en-PH" sz="2400" dirty="0"/>
           </a:p>
           <a:p>
             <a:r>
               <a:rPr lang="en-PH" sz="2400" dirty="0"/>
-              <a:t>Jr. Mobile App Developer</a:t>
+              <a:t>Sr. Mobile App Developer</a:t>
             </a:r>
             <a:r>
               <a:rPr lang="en-PH" sz="2400" dirty="0">
@@ -3505,7 +3507,11 @@
             </a:r>
             <a:r>
               <a:rPr lang="en-PH" sz="2400" dirty="0" err="1"/>
-              <a:t>Tianggee</a:t>
+              <a:t>Pangga</a:t>
+            </a:r>
+            <a:r>
+              <a:rPr lang="en-PH" sz="2400" dirty="0"/>
+              <a:t> Mobile Technologies</a:t>
             </a:r>
             <a:endParaRPr lang="en-US" sz="2400" dirty="0"/>
           </a:p>
@@ -3565,1294 +3571,7 @@
 </p:sld>
 </file>
 
-<file path=ppt/slides/slide2.xml><?xml version="1.0" encoding="utf-8"?>
-<p:sld xmlns:a="http://schemas.openxmlformats.org/drawingml/2006/main" xmlns:r="http://schemas.openxmlformats.org/officeDocument/2006/relationships" xmlns:p="http://schemas.openxmlformats.org/presentationml/2006/main">
-  <p:cSld>
-    <p:bg>
-      <p:bgPr>
-        <a:solidFill>
-          <a:srgbClr val="F5A9B3"/>
-        </a:solidFill>
-        <a:effectLst/>
-      </p:bgPr>
-    </p:bg>
-    <p:spTree>
-      <p:nvGrpSpPr>
-        <p:cNvPr id="1" name=""/>
-        <p:cNvGrpSpPr/>
-        <p:nvPr/>
-      </p:nvGrpSpPr>
-      <p:grpSpPr>
-        <a:xfrm>
-          <a:off x="0" y="0"/>
-          <a:ext cx="0" cy="0"/>
-          <a:chOff x="0" y="0"/>
-          <a:chExt cx="0" cy="0"/>
-        </a:xfrm>
-      </p:grpSpPr>
-      <p:sp>
-        <p:nvSpPr>
-          <p:cNvPr id="5" name="Title 1">
-            <a:extLst>
-              <a:ext uri="{FF2B5EF4-FFF2-40B4-BE49-F238E27FC236}">
-                <a16:creationId xmlns:a16="http://schemas.microsoft.com/office/drawing/2014/main" id="{A96DB18F-5C9E-411F-8AC6-EAAAE0F43C77}"/>
-              </a:ext>
-            </a:extLst>
-          </p:cNvPr>
-          <p:cNvSpPr>
-            <a:spLocks noGrp="1"/>
-          </p:cNvSpPr>
-          <p:nvPr>
-            <p:ph type="title"/>
-          </p:nvPr>
-        </p:nvSpPr>
-        <p:spPr>
-          <a:xfrm>
-            <a:off x="716335" y="545928"/>
-            <a:ext cx="6474578" cy="2281355"/>
-          </a:xfrm>
-        </p:spPr>
-        <p:txBody>
-          <a:bodyPr/>
-          <a:lstStyle/>
-          <a:p>
-            <a:r>
-              <a:rPr lang="en-US" dirty="0">
-                <a:solidFill>
-                  <a:schemeClr val="tx1">
-                    <a:lumMod val="95000"/>
-                    <a:lumOff val="5000"/>
-                  </a:schemeClr>
-                </a:solidFill>
-                <a:effectLst>
-                  <a:outerShdw blurRad="38100" dist="38100" dir="2700000" algn="tl">
-                    <a:srgbClr val="000000">
-                      <a:alpha val="43137"/>
-                    </a:srgbClr>
-                  </a:outerShdw>
-                </a:effectLst>
-              </a:rPr>
-              <a:t>UI Views in Xamarin Forms</a:t>
-            </a:r>
-            <a:endParaRPr lang="ru-RU" dirty="0">
-              <a:solidFill>
-                <a:schemeClr val="tx1">
-                  <a:lumMod val="95000"/>
-                  <a:lumOff val="5000"/>
-                </a:schemeClr>
-              </a:solidFill>
-              <a:effectLst>
-                <a:outerShdw blurRad="38100" dist="38100" dir="2700000" algn="tl">
-                  <a:srgbClr val="000000">
-                    <a:alpha val="43137"/>
-                  </a:srgbClr>
-                </a:outerShdw>
-              </a:effectLst>
-            </a:endParaRPr>
-          </a:p>
-        </p:txBody>
-      </p:sp>
-      <p:cxnSp>
-        <p:nvCxnSpPr>
-          <p:cNvPr id="6" name="Straight Connector 5">
-            <a:extLst>
-              <a:ext uri="{FF2B5EF4-FFF2-40B4-BE49-F238E27FC236}">
-                <a16:creationId xmlns:a16="http://schemas.microsoft.com/office/drawing/2014/main" id="{B57C1065-1300-42D8-AC2A-E79E5619ABD0}"/>
-              </a:ext>
-            </a:extLst>
-          </p:cNvPr>
-          <p:cNvCxnSpPr/>
-          <p:nvPr/>
-        </p:nvCxnSpPr>
-        <p:spPr>
-          <a:xfrm>
-            <a:off x="0" y="2449968"/>
-            <a:ext cx="4705165" cy="0"/>
-          </a:xfrm>
-          <a:prstGeom prst="line">
-            <a:avLst/>
-          </a:prstGeom>
-          <a:ln w="127000">
-            <a:solidFill>
-              <a:srgbClr val="DB5A6B"/>
-            </a:solidFill>
-          </a:ln>
-        </p:spPr>
-        <p:style>
-          <a:lnRef idx="1">
-            <a:schemeClr val="accent1"/>
-          </a:lnRef>
-          <a:fillRef idx="0">
-            <a:schemeClr val="accent1"/>
-          </a:fillRef>
-          <a:effectRef idx="0">
-            <a:schemeClr val="accent1"/>
-          </a:effectRef>
-          <a:fontRef idx="minor">
-            <a:schemeClr val="tx1"/>
-          </a:fontRef>
-        </p:style>
-      </p:cxnSp>
-      <p:sp>
-        <p:nvSpPr>
-          <p:cNvPr id="7" name="TextBox 6">
-            <a:hlinkClick r:id="rId2"/>
-            <a:extLst>
-              <a:ext uri="{FF2B5EF4-FFF2-40B4-BE49-F238E27FC236}">
-                <a16:creationId xmlns:a16="http://schemas.microsoft.com/office/drawing/2014/main" id="{6F5B83B7-A5A3-4EF9-ADB9-A688A58C251C}"/>
-              </a:ext>
-            </a:extLst>
-          </p:cNvPr>
-          <p:cNvSpPr txBox="1"/>
-          <p:nvPr/>
-        </p:nvSpPr>
-        <p:spPr>
-          <a:xfrm>
-            <a:off x="716335" y="2699002"/>
-            <a:ext cx="9479677" cy="3785652"/>
-          </a:xfrm>
-          <a:prstGeom prst="rect">
-            <a:avLst/>
-          </a:prstGeom>
-          <a:noFill/>
-        </p:spPr>
-        <p:txBody>
-          <a:bodyPr wrap="square" rtlCol="0">
-            <a:spAutoFit/>
-          </a:bodyPr>
-          <a:lstStyle/>
-          <a:p>
-            <a:r>
-              <a:rPr lang="en-PH" sz="2400" dirty="0"/>
-              <a:t>Button</a:t>
-            </a:r>
-          </a:p>
-          <a:p>
-            <a:r>
-              <a:rPr lang="en-PH" sz="2400" dirty="0"/>
-              <a:t>Entry</a:t>
-            </a:r>
-          </a:p>
-          <a:p>
-            <a:r>
-              <a:rPr lang="en-PH" sz="2400" dirty="0"/>
-              <a:t>Image</a:t>
-            </a:r>
-          </a:p>
-          <a:p>
-            <a:r>
-              <a:rPr lang="en-PH" sz="2400" dirty="0"/>
-              <a:t>Slider</a:t>
-            </a:r>
-          </a:p>
-          <a:p>
-            <a:r>
-              <a:rPr lang="en-PH" sz="2400" dirty="0"/>
-              <a:t>Picker</a:t>
-            </a:r>
-          </a:p>
-          <a:p>
-            <a:r>
-              <a:rPr lang="en-PH" sz="2400" dirty="0" err="1"/>
-              <a:t>BoxView</a:t>
-            </a:r>
-            <a:endParaRPr lang="en-PH" sz="2400" dirty="0"/>
-          </a:p>
-          <a:p>
-            <a:r>
-              <a:rPr lang="en-PH" sz="2400" dirty="0" err="1"/>
-              <a:t>StackLayout</a:t>
-            </a:r>
-            <a:endParaRPr lang="en-PH" sz="2400" dirty="0"/>
-          </a:p>
-          <a:p>
-            <a:r>
-              <a:rPr lang="en-PH" sz="2400" dirty="0"/>
-              <a:t>Grid</a:t>
-            </a:r>
-          </a:p>
-          <a:p>
-            <a:r>
-              <a:rPr lang="en-PH" sz="2400" dirty="0" err="1"/>
-              <a:t>ListView</a:t>
-            </a:r>
-            <a:endParaRPr lang="en-PH" sz="2400" dirty="0"/>
-          </a:p>
-          <a:p>
-            <a:r>
-              <a:rPr lang="en-PH" sz="2400" dirty="0" err="1"/>
-              <a:t>CollectionView</a:t>
-            </a:r>
-            <a:r>
-              <a:rPr lang="en-PH" sz="2400" dirty="0"/>
-              <a:t>, </a:t>
-            </a:r>
-            <a:r>
-              <a:rPr lang="en-PH" sz="2400" dirty="0" err="1"/>
-              <a:t>etc</a:t>
-            </a:r>
-            <a:endParaRPr lang="en-US" sz="2400" dirty="0"/>
-          </a:p>
-        </p:txBody>
-      </p:sp>
-    </p:spTree>
-    <p:extLst>
-      <p:ext uri="{BB962C8B-B14F-4D97-AF65-F5344CB8AC3E}">
-        <p14:creationId xmlns:p14="http://schemas.microsoft.com/office/powerpoint/2010/main" val="4088013032"/>
-      </p:ext>
-    </p:extLst>
-  </p:cSld>
-  <p:clrMapOvr>
-    <a:masterClrMapping/>
-  </p:clrMapOvr>
-</p:sld>
-</file>
-
-<file path=ppt/slides/slide3.xml><?xml version="1.0" encoding="utf-8"?>
-<p:sld xmlns:a="http://schemas.openxmlformats.org/drawingml/2006/main" xmlns:r="http://schemas.openxmlformats.org/officeDocument/2006/relationships" xmlns:p="http://schemas.openxmlformats.org/presentationml/2006/main">
-  <p:cSld>
-    <p:bg>
-      <p:bgPr>
-        <a:solidFill>
-          <a:srgbClr val="F5A9B3"/>
-        </a:solidFill>
-        <a:effectLst/>
-      </p:bgPr>
-    </p:bg>
-    <p:spTree>
-      <p:nvGrpSpPr>
-        <p:cNvPr id="1" name=""/>
-        <p:cNvGrpSpPr/>
-        <p:nvPr/>
-      </p:nvGrpSpPr>
-      <p:grpSpPr>
-        <a:xfrm>
-          <a:off x="0" y="0"/>
-          <a:ext cx="0" cy="0"/>
-          <a:chOff x="0" y="0"/>
-          <a:chExt cx="0" cy="0"/>
-        </a:xfrm>
-      </p:grpSpPr>
-      <p:sp>
-        <p:nvSpPr>
-          <p:cNvPr id="5" name="Title 1">
-            <a:extLst>
-              <a:ext uri="{FF2B5EF4-FFF2-40B4-BE49-F238E27FC236}">
-                <a16:creationId xmlns:a16="http://schemas.microsoft.com/office/drawing/2014/main" id="{A96DB18F-5C9E-411F-8AC6-EAAAE0F43C77}"/>
-              </a:ext>
-            </a:extLst>
-          </p:cNvPr>
-          <p:cNvSpPr>
-            <a:spLocks noGrp="1"/>
-          </p:cNvSpPr>
-          <p:nvPr>
-            <p:ph type="title"/>
-          </p:nvPr>
-        </p:nvSpPr>
-        <p:spPr>
-          <a:xfrm>
-            <a:off x="716335" y="545928"/>
-            <a:ext cx="5986306" cy="2281355"/>
-          </a:xfrm>
-        </p:spPr>
-        <p:txBody>
-          <a:bodyPr/>
-          <a:lstStyle/>
-          <a:p>
-            <a:r>
-              <a:rPr lang="en-US" dirty="0">
-                <a:solidFill>
-                  <a:schemeClr val="tx1">
-                    <a:lumMod val="95000"/>
-                    <a:lumOff val="5000"/>
-                  </a:schemeClr>
-                </a:solidFill>
-                <a:effectLst>
-                  <a:outerShdw blurRad="38100" dist="38100" dir="2700000" algn="tl">
-                    <a:srgbClr val="000000">
-                      <a:alpha val="43137"/>
-                    </a:srgbClr>
-                  </a:outerShdw>
-                </a:effectLst>
-              </a:rPr>
-              <a:t>Hierarchy of Xamarin Forms UI</a:t>
-            </a:r>
-            <a:endParaRPr lang="ru-RU" dirty="0">
-              <a:solidFill>
-                <a:schemeClr val="tx1">
-                  <a:lumMod val="95000"/>
-                  <a:lumOff val="5000"/>
-                </a:schemeClr>
-              </a:solidFill>
-              <a:effectLst>
-                <a:outerShdw blurRad="38100" dist="38100" dir="2700000" algn="tl">
-                  <a:srgbClr val="000000">
-                    <a:alpha val="43137"/>
-                  </a:srgbClr>
-                </a:outerShdw>
-              </a:effectLst>
-            </a:endParaRPr>
-          </a:p>
-        </p:txBody>
-      </p:sp>
-      <p:cxnSp>
-        <p:nvCxnSpPr>
-          <p:cNvPr id="6" name="Straight Connector 5">
-            <a:extLst>
-              <a:ext uri="{FF2B5EF4-FFF2-40B4-BE49-F238E27FC236}">
-                <a16:creationId xmlns:a16="http://schemas.microsoft.com/office/drawing/2014/main" id="{B57C1065-1300-42D8-AC2A-E79E5619ABD0}"/>
-              </a:ext>
-            </a:extLst>
-          </p:cNvPr>
-          <p:cNvCxnSpPr/>
-          <p:nvPr/>
-        </p:nvCxnSpPr>
-        <p:spPr>
-          <a:xfrm>
-            <a:off x="0" y="2449968"/>
-            <a:ext cx="4705165" cy="0"/>
-          </a:xfrm>
-          <a:prstGeom prst="line">
-            <a:avLst/>
-          </a:prstGeom>
-          <a:ln w="127000">
-            <a:solidFill>
-              <a:srgbClr val="DB5A6B"/>
-            </a:solidFill>
-          </a:ln>
-        </p:spPr>
-        <p:style>
-          <a:lnRef idx="1">
-            <a:schemeClr val="accent1"/>
-          </a:lnRef>
-          <a:fillRef idx="0">
-            <a:schemeClr val="accent1"/>
-          </a:fillRef>
-          <a:effectRef idx="0">
-            <a:schemeClr val="accent1"/>
-          </a:effectRef>
-          <a:fontRef idx="minor">
-            <a:schemeClr val="tx1"/>
-          </a:fontRef>
-        </p:style>
-      </p:cxnSp>
-      <p:pic>
-        <p:nvPicPr>
-          <p:cNvPr id="2" name="Picture 1">
-            <a:extLst>
-              <a:ext uri="{FF2B5EF4-FFF2-40B4-BE49-F238E27FC236}">
-                <a16:creationId xmlns:a16="http://schemas.microsoft.com/office/drawing/2014/main" id="{E12AF6D2-5645-4FFA-B1C3-1044F1DCA4B6}"/>
-              </a:ext>
-            </a:extLst>
-          </p:cNvPr>
-          <p:cNvPicPr>
-            <a:picLocks noChangeAspect="1"/>
-          </p:cNvPicPr>
-          <p:nvPr/>
-        </p:nvPicPr>
-        <p:blipFill>
-          <a:blip r:embed="rId2"/>
-          <a:stretch>
-            <a:fillRect/>
-          </a:stretch>
-        </p:blipFill>
-        <p:spPr>
-          <a:xfrm>
-            <a:off x="809927" y="3257996"/>
-            <a:ext cx="7790476" cy="2685714"/>
-          </a:xfrm>
-          <a:prstGeom prst="rect">
-            <a:avLst/>
-          </a:prstGeom>
-        </p:spPr>
-      </p:pic>
-    </p:spTree>
-    <p:extLst>
-      <p:ext uri="{BB962C8B-B14F-4D97-AF65-F5344CB8AC3E}">
-        <p14:creationId xmlns:p14="http://schemas.microsoft.com/office/powerpoint/2010/main" val="1770722718"/>
-      </p:ext>
-    </p:extLst>
-  </p:cSld>
-  <p:clrMapOvr>
-    <a:masterClrMapping/>
-  </p:clrMapOvr>
-</p:sld>
-</file>
-
-<file path=ppt/slides/slide4.xml><?xml version="1.0" encoding="utf-8"?>
-<p:sld xmlns:a="http://schemas.openxmlformats.org/drawingml/2006/main" xmlns:r="http://schemas.openxmlformats.org/officeDocument/2006/relationships" xmlns:p="http://schemas.openxmlformats.org/presentationml/2006/main">
-  <p:cSld>
-    <p:bg>
-      <p:bgPr>
-        <a:solidFill>
-          <a:srgbClr val="F5A9B3"/>
-        </a:solidFill>
-        <a:effectLst/>
-      </p:bgPr>
-    </p:bg>
-    <p:spTree>
-      <p:nvGrpSpPr>
-        <p:cNvPr id="1" name=""/>
-        <p:cNvGrpSpPr/>
-        <p:nvPr/>
-      </p:nvGrpSpPr>
-      <p:grpSpPr>
-        <a:xfrm>
-          <a:off x="0" y="0"/>
-          <a:ext cx="0" cy="0"/>
-          <a:chOff x="0" y="0"/>
-          <a:chExt cx="0" cy="0"/>
-        </a:xfrm>
-      </p:grpSpPr>
-      <p:sp>
-        <p:nvSpPr>
-          <p:cNvPr id="5" name="Title 1">
-            <a:extLst>
-              <a:ext uri="{FF2B5EF4-FFF2-40B4-BE49-F238E27FC236}">
-                <a16:creationId xmlns:a16="http://schemas.microsoft.com/office/drawing/2014/main" id="{A96DB18F-5C9E-411F-8AC6-EAAAE0F43C77}"/>
-              </a:ext>
-            </a:extLst>
-          </p:cNvPr>
-          <p:cNvSpPr>
-            <a:spLocks noGrp="1"/>
-          </p:cNvSpPr>
-          <p:nvPr>
-            <p:ph type="title"/>
-          </p:nvPr>
-        </p:nvSpPr>
-        <p:spPr>
-          <a:xfrm>
-            <a:off x="716335" y="545928"/>
-            <a:ext cx="5986306" cy="2281355"/>
-          </a:xfrm>
-        </p:spPr>
-        <p:txBody>
-          <a:bodyPr/>
-          <a:lstStyle/>
-          <a:p>
-            <a:r>
-              <a:rPr lang="en-US" dirty="0">
-                <a:solidFill>
-                  <a:schemeClr val="tx1">
-                    <a:lumMod val="95000"/>
-                    <a:lumOff val="5000"/>
-                  </a:schemeClr>
-                </a:solidFill>
-                <a:effectLst>
-                  <a:outerShdw blurRad="38100" dist="38100" dir="2700000" algn="tl">
-                    <a:srgbClr val="000000">
-                      <a:alpha val="43137"/>
-                    </a:srgbClr>
-                  </a:outerShdw>
-                </a:effectLst>
-              </a:rPr>
-              <a:t>Effects?</a:t>
-            </a:r>
-            <a:endParaRPr lang="ru-RU" dirty="0">
-              <a:solidFill>
-                <a:schemeClr val="tx1">
-                  <a:lumMod val="95000"/>
-                  <a:lumOff val="5000"/>
-                </a:schemeClr>
-              </a:solidFill>
-              <a:effectLst>
-                <a:outerShdw blurRad="38100" dist="38100" dir="2700000" algn="tl">
-                  <a:srgbClr val="000000">
-                    <a:alpha val="43137"/>
-                  </a:srgbClr>
-                </a:outerShdw>
-              </a:effectLst>
-            </a:endParaRPr>
-          </a:p>
-        </p:txBody>
-      </p:sp>
-      <p:cxnSp>
-        <p:nvCxnSpPr>
-          <p:cNvPr id="6" name="Straight Connector 5">
-            <a:extLst>
-              <a:ext uri="{FF2B5EF4-FFF2-40B4-BE49-F238E27FC236}">
-                <a16:creationId xmlns:a16="http://schemas.microsoft.com/office/drawing/2014/main" id="{B57C1065-1300-42D8-AC2A-E79E5619ABD0}"/>
-              </a:ext>
-            </a:extLst>
-          </p:cNvPr>
-          <p:cNvCxnSpPr/>
-          <p:nvPr/>
-        </p:nvCxnSpPr>
-        <p:spPr>
-          <a:xfrm>
-            <a:off x="0" y="2449968"/>
-            <a:ext cx="4705165" cy="0"/>
-          </a:xfrm>
-          <a:prstGeom prst="line">
-            <a:avLst/>
-          </a:prstGeom>
-          <a:ln w="127000">
-            <a:solidFill>
-              <a:srgbClr val="DB5A6B"/>
-            </a:solidFill>
-          </a:ln>
-        </p:spPr>
-        <p:style>
-          <a:lnRef idx="1">
-            <a:schemeClr val="accent1"/>
-          </a:lnRef>
-          <a:fillRef idx="0">
-            <a:schemeClr val="accent1"/>
-          </a:fillRef>
-          <a:effectRef idx="0">
-            <a:schemeClr val="accent1"/>
-          </a:effectRef>
-          <a:fontRef idx="minor">
-            <a:schemeClr val="tx1"/>
-          </a:fontRef>
-        </p:style>
-      </p:cxnSp>
-      <p:sp>
-        <p:nvSpPr>
-          <p:cNvPr id="8" name="TextBox 7">
-            <a:hlinkClick r:id="rId2"/>
-            <a:extLst>
-              <a:ext uri="{FF2B5EF4-FFF2-40B4-BE49-F238E27FC236}">
-                <a16:creationId xmlns:a16="http://schemas.microsoft.com/office/drawing/2014/main" id="{FCEDABA8-2D75-44A2-B079-177FBD23D2E8}"/>
-              </a:ext>
-            </a:extLst>
-          </p:cNvPr>
-          <p:cNvSpPr txBox="1"/>
-          <p:nvPr/>
-        </p:nvSpPr>
-        <p:spPr>
-          <a:xfrm>
-            <a:off x="716335" y="3172777"/>
-            <a:ext cx="6976175" cy="1200329"/>
-          </a:xfrm>
-          <a:prstGeom prst="rect">
-            <a:avLst/>
-          </a:prstGeom>
-          <a:noFill/>
-        </p:spPr>
-        <p:txBody>
-          <a:bodyPr wrap="square" rtlCol="0">
-            <a:spAutoFit/>
-          </a:bodyPr>
-          <a:lstStyle/>
-          <a:p>
-            <a:r>
-              <a:rPr lang="en-PH" sz="2400" dirty="0"/>
-              <a:t>Effects allow the native controls on each platform to be customized, and are typically used for small styling changes</a:t>
-            </a:r>
-            <a:endParaRPr lang="en-US" sz="2400" dirty="0"/>
-          </a:p>
-        </p:txBody>
-      </p:sp>
-    </p:spTree>
-    <p:extLst>
-      <p:ext uri="{BB962C8B-B14F-4D97-AF65-F5344CB8AC3E}">
-        <p14:creationId xmlns:p14="http://schemas.microsoft.com/office/powerpoint/2010/main" val="2233236329"/>
-      </p:ext>
-    </p:extLst>
-  </p:cSld>
-  <p:clrMapOvr>
-    <a:masterClrMapping/>
-  </p:clrMapOvr>
-</p:sld>
-</file>
-
-<file path=ppt/slides/slide5.xml><?xml version="1.0" encoding="utf-8"?>
-<p:sld xmlns:a="http://schemas.openxmlformats.org/drawingml/2006/main" xmlns:r="http://schemas.openxmlformats.org/officeDocument/2006/relationships" xmlns:p="http://schemas.openxmlformats.org/presentationml/2006/main">
-  <p:cSld>
-    <p:bg>
-      <p:bgPr>
-        <a:solidFill>
-          <a:srgbClr val="F5A9B3"/>
-        </a:solidFill>
-        <a:effectLst/>
-      </p:bgPr>
-    </p:bg>
-    <p:spTree>
-      <p:nvGrpSpPr>
-        <p:cNvPr id="1" name=""/>
-        <p:cNvGrpSpPr/>
-        <p:nvPr/>
-      </p:nvGrpSpPr>
-      <p:grpSpPr>
-        <a:xfrm>
-          <a:off x="0" y="0"/>
-          <a:ext cx="0" cy="0"/>
-          <a:chOff x="0" y="0"/>
-          <a:chExt cx="0" cy="0"/>
-        </a:xfrm>
-      </p:grpSpPr>
-      <p:sp>
-        <p:nvSpPr>
-          <p:cNvPr id="5" name="Title 1">
-            <a:extLst>
-              <a:ext uri="{FF2B5EF4-FFF2-40B4-BE49-F238E27FC236}">
-                <a16:creationId xmlns:a16="http://schemas.microsoft.com/office/drawing/2014/main" id="{A96DB18F-5C9E-411F-8AC6-EAAAE0F43C77}"/>
-              </a:ext>
-            </a:extLst>
-          </p:cNvPr>
-          <p:cNvSpPr>
-            <a:spLocks noGrp="1"/>
-          </p:cNvSpPr>
-          <p:nvPr>
-            <p:ph type="title"/>
-          </p:nvPr>
-        </p:nvSpPr>
-        <p:spPr>
-          <a:xfrm>
-            <a:off x="716335" y="545928"/>
-            <a:ext cx="5986306" cy="2281355"/>
-          </a:xfrm>
-        </p:spPr>
-        <p:txBody>
-          <a:bodyPr/>
-          <a:lstStyle/>
-          <a:p>
-            <a:r>
-              <a:rPr lang="en-US" dirty="0">
-                <a:solidFill>
-                  <a:schemeClr val="tx1">
-                    <a:lumMod val="95000"/>
-                    <a:lumOff val="5000"/>
-                  </a:schemeClr>
-                </a:solidFill>
-                <a:effectLst>
-                  <a:outerShdw blurRad="38100" dist="38100" dir="2700000" algn="tl">
-                    <a:srgbClr val="000000">
-                      <a:alpha val="43137"/>
-                    </a:srgbClr>
-                  </a:outerShdw>
-                </a:effectLst>
-              </a:rPr>
-              <a:t>Custom Renderers?</a:t>
-            </a:r>
-            <a:endParaRPr lang="ru-RU" dirty="0">
-              <a:solidFill>
-                <a:schemeClr val="tx1">
-                  <a:lumMod val="95000"/>
-                  <a:lumOff val="5000"/>
-                </a:schemeClr>
-              </a:solidFill>
-              <a:effectLst>
-                <a:outerShdw blurRad="38100" dist="38100" dir="2700000" algn="tl">
-                  <a:srgbClr val="000000">
-                    <a:alpha val="43137"/>
-                  </a:srgbClr>
-                </a:outerShdw>
-              </a:effectLst>
-            </a:endParaRPr>
-          </a:p>
-        </p:txBody>
-      </p:sp>
-      <p:cxnSp>
-        <p:nvCxnSpPr>
-          <p:cNvPr id="6" name="Straight Connector 5">
-            <a:extLst>
-              <a:ext uri="{FF2B5EF4-FFF2-40B4-BE49-F238E27FC236}">
-                <a16:creationId xmlns:a16="http://schemas.microsoft.com/office/drawing/2014/main" id="{B57C1065-1300-42D8-AC2A-E79E5619ABD0}"/>
-              </a:ext>
-            </a:extLst>
-          </p:cNvPr>
-          <p:cNvCxnSpPr/>
-          <p:nvPr/>
-        </p:nvCxnSpPr>
-        <p:spPr>
-          <a:xfrm>
-            <a:off x="0" y="2449968"/>
-            <a:ext cx="4705165" cy="0"/>
-          </a:xfrm>
-          <a:prstGeom prst="line">
-            <a:avLst/>
-          </a:prstGeom>
-          <a:ln w="127000">
-            <a:solidFill>
-              <a:srgbClr val="DB5A6B"/>
-            </a:solidFill>
-          </a:ln>
-        </p:spPr>
-        <p:style>
-          <a:lnRef idx="1">
-            <a:schemeClr val="accent1"/>
-          </a:lnRef>
-          <a:fillRef idx="0">
-            <a:schemeClr val="accent1"/>
-          </a:fillRef>
-          <a:effectRef idx="0">
-            <a:schemeClr val="accent1"/>
-          </a:effectRef>
-          <a:fontRef idx="minor">
-            <a:schemeClr val="tx1"/>
-          </a:fontRef>
-        </p:style>
-      </p:cxnSp>
-      <p:sp>
-        <p:nvSpPr>
-          <p:cNvPr id="8" name="TextBox 7">
-            <a:extLst>
-              <a:ext uri="{FF2B5EF4-FFF2-40B4-BE49-F238E27FC236}">
-                <a16:creationId xmlns:a16="http://schemas.microsoft.com/office/drawing/2014/main" id="{65830603-386F-438E-A449-7A6BE82C31D6}"/>
-              </a:ext>
-            </a:extLst>
-          </p:cNvPr>
-          <p:cNvSpPr txBox="1"/>
-          <p:nvPr/>
-        </p:nvSpPr>
-        <p:spPr>
-          <a:xfrm>
-            <a:off x="716334" y="2965001"/>
-            <a:ext cx="10256465" cy="2281349"/>
-          </a:xfrm>
-          <a:prstGeom prst="rect">
-            <a:avLst/>
-          </a:prstGeom>
-        </p:spPr>
-        <p:txBody>
-          <a:bodyPr vert="horz" lIns="91440" tIns="45720" rIns="91440" bIns="45720" rtlCol="0">
-            <a:normAutofit/>
-          </a:bodyPr>
-          <a:lstStyle/>
-          <a:p>
-            <a:pPr>
-              <a:lnSpc>
-                <a:spcPct val="90000"/>
-              </a:lnSpc>
-              <a:spcBef>
-                <a:spcPts val="1000"/>
-              </a:spcBef>
-            </a:pPr>
-            <a:r>
-              <a:rPr lang="en-PH" sz="2400" dirty="0" err="1"/>
-              <a:t>Xamarin.Forms</a:t>
-            </a:r>
-            <a:r>
-              <a:rPr lang="en-PH" sz="2400" dirty="0"/>
-              <a:t> user interfaces are rendered using the native controls of the target platform, allowing </a:t>
-            </a:r>
-            <a:r>
-              <a:rPr lang="en-PH" sz="2400" dirty="0" err="1"/>
-              <a:t>Xamarin.Forms</a:t>
-            </a:r>
-            <a:r>
-              <a:rPr lang="en-PH" sz="2400" dirty="0"/>
-              <a:t> applications to retain the appropriate look and feel for each platform. Custom Renderers let developers override this process to customize the appearance and behavior of </a:t>
-            </a:r>
-            <a:r>
-              <a:rPr lang="en-PH" sz="2400" dirty="0" err="1"/>
-              <a:t>Xamarin.Forms</a:t>
-            </a:r>
-            <a:r>
-              <a:rPr lang="en-PH" sz="2400" dirty="0"/>
-              <a:t> controls on each platform.</a:t>
-            </a:r>
-            <a:endParaRPr lang="en-US" sz="2400" kern="1200" dirty="0">
-              <a:latin typeface="+mn-lt"/>
-              <a:ea typeface="+mn-ea"/>
-              <a:cs typeface="+mn-cs"/>
-            </a:endParaRPr>
-          </a:p>
-        </p:txBody>
-      </p:sp>
-    </p:spTree>
-    <p:extLst>
-      <p:ext uri="{BB962C8B-B14F-4D97-AF65-F5344CB8AC3E}">
-        <p14:creationId xmlns:p14="http://schemas.microsoft.com/office/powerpoint/2010/main" val="2719484110"/>
-      </p:ext>
-    </p:extLst>
-  </p:cSld>
-  <p:clrMapOvr>
-    <a:masterClrMapping/>
-  </p:clrMapOvr>
-</p:sld>
-</file>
-
-<file path=ppt/slides/slide6.xml><?xml version="1.0" encoding="utf-8"?>
-<p:sld xmlns:a="http://schemas.openxmlformats.org/drawingml/2006/main" xmlns:r="http://schemas.openxmlformats.org/officeDocument/2006/relationships" xmlns:p="http://schemas.openxmlformats.org/presentationml/2006/main">
-  <p:cSld>
-    <p:bg>
-      <p:bgPr>
-        <a:solidFill>
-          <a:srgbClr val="F5A9B3"/>
-        </a:solidFill>
-        <a:effectLst/>
-      </p:bgPr>
-    </p:bg>
-    <p:spTree>
-      <p:nvGrpSpPr>
-        <p:cNvPr id="1" name=""/>
-        <p:cNvGrpSpPr/>
-        <p:nvPr/>
-      </p:nvGrpSpPr>
-      <p:grpSpPr>
-        <a:xfrm>
-          <a:off x="0" y="0"/>
-          <a:ext cx="0" cy="0"/>
-          <a:chOff x="0" y="0"/>
-          <a:chExt cx="0" cy="0"/>
-        </a:xfrm>
-      </p:grpSpPr>
-      <p:sp>
-        <p:nvSpPr>
-          <p:cNvPr id="5" name="Title 1">
-            <a:extLst>
-              <a:ext uri="{FF2B5EF4-FFF2-40B4-BE49-F238E27FC236}">
-                <a16:creationId xmlns:a16="http://schemas.microsoft.com/office/drawing/2014/main" id="{A96DB18F-5C9E-411F-8AC6-EAAAE0F43C77}"/>
-              </a:ext>
-            </a:extLst>
-          </p:cNvPr>
-          <p:cNvSpPr>
-            <a:spLocks noGrp="1"/>
-          </p:cNvSpPr>
-          <p:nvPr>
-            <p:ph type="title"/>
-          </p:nvPr>
-        </p:nvSpPr>
-        <p:spPr>
-          <a:xfrm>
-            <a:off x="738529" y="304353"/>
-            <a:ext cx="3207595" cy="2281355"/>
-          </a:xfrm>
-        </p:spPr>
-        <p:txBody>
-          <a:bodyPr/>
-          <a:lstStyle/>
-          <a:p>
-            <a:r>
-              <a:rPr lang="en-US" dirty="0">
-                <a:solidFill>
-                  <a:schemeClr val="tx1">
-                    <a:lumMod val="95000"/>
-                    <a:lumOff val="5000"/>
-                  </a:schemeClr>
-                </a:solidFill>
-                <a:effectLst>
-                  <a:outerShdw blurRad="38100" dist="38100" dir="2700000" algn="tl">
-                    <a:srgbClr val="000000">
-                      <a:alpha val="43137"/>
-                    </a:srgbClr>
-                  </a:outerShdw>
-                </a:effectLst>
-              </a:rPr>
-              <a:t>Forms UI </a:t>
-            </a:r>
-            <a:br>
-              <a:rPr lang="en-US" dirty="0">
-                <a:solidFill>
-                  <a:schemeClr val="tx1">
-                    <a:lumMod val="95000"/>
-                    <a:lumOff val="5000"/>
-                  </a:schemeClr>
-                </a:solidFill>
-                <a:effectLst>
-                  <a:outerShdw blurRad="38100" dist="38100" dir="2700000" algn="tl">
-                    <a:srgbClr val="000000">
-                      <a:alpha val="43137"/>
-                    </a:srgbClr>
-                  </a:outerShdw>
-                </a:effectLst>
-              </a:rPr>
-            </a:br>
-            <a:r>
-              <a:rPr lang="en-US" dirty="0">
-                <a:solidFill>
-                  <a:schemeClr val="tx1">
-                    <a:lumMod val="95000"/>
-                    <a:lumOff val="5000"/>
-                  </a:schemeClr>
-                </a:solidFill>
-                <a:effectLst>
-                  <a:outerShdw blurRad="38100" dist="38100" dir="2700000" algn="tl">
-                    <a:srgbClr val="000000">
-                      <a:alpha val="43137"/>
-                    </a:srgbClr>
-                  </a:outerShdw>
-                </a:effectLst>
-              </a:rPr>
-              <a:t>to Native</a:t>
-            </a:r>
-            <a:endParaRPr lang="ru-RU" dirty="0">
-              <a:solidFill>
-                <a:schemeClr val="tx1">
-                  <a:lumMod val="95000"/>
-                  <a:lumOff val="5000"/>
-                </a:schemeClr>
-              </a:solidFill>
-              <a:effectLst>
-                <a:outerShdw blurRad="38100" dist="38100" dir="2700000" algn="tl">
-                  <a:srgbClr val="000000">
-                    <a:alpha val="43137"/>
-                  </a:srgbClr>
-                </a:outerShdw>
-              </a:effectLst>
-            </a:endParaRPr>
-          </a:p>
-        </p:txBody>
-      </p:sp>
-      <p:cxnSp>
-        <p:nvCxnSpPr>
-          <p:cNvPr id="6" name="Straight Connector 5">
-            <a:extLst>
-              <a:ext uri="{FF2B5EF4-FFF2-40B4-BE49-F238E27FC236}">
-                <a16:creationId xmlns:a16="http://schemas.microsoft.com/office/drawing/2014/main" id="{B57C1065-1300-42D8-AC2A-E79E5619ABD0}"/>
-              </a:ext>
-            </a:extLst>
-          </p:cNvPr>
-          <p:cNvCxnSpPr>
-            <a:cxnSpLocks/>
-          </p:cNvCxnSpPr>
-          <p:nvPr/>
-        </p:nvCxnSpPr>
-        <p:spPr>
-          <a:xfrm>
-            <a:off x="0" y="2449968"/>
-            <a:ext cx="3773010" cy="0"/>
-          </a:xfrm>
-          <a:prstGeom prst="line">
-            <a:avLst/>
-          </a:prstGeom>
-          <a:ln w="127000">
-            <a:solidFill>
-              <a:srgbClr val="DB5A6B"/>
-            </a:solidFill>
-          </a:ln>
-        </p:spPr>
-        <p:style>
-          <a:lnRef idx="1">
-            <a:schemeClr val="accent1"/>
-          </a:lnRef>
-          <a:fillRef idx="0">
-            <a:schemeClr val="accent1"/>
-          </a:fillRef>
-          <a:effectRef idx="0">
-            <a:schemeClr val="accent1"/>
-          </a:effectRef>
-          <a:fontRef idx="minor">
-            <a:schemeClr val="tx1"/>
-          </a:fontRef>
-        </p:style>
-      </p:cxnSp>
-      <p:pic>
-        <p:nvPicPr>
-          <p:cNvPr id="3" name="Picture 2">
-            <a:extLst>
-              <a:ext uri="{FF2B5EF4-FFF2-40B4-BE49-F238E27FC236}">
-                <a16:creationId xmlns:a16="http://schemas.microsoft.com/office/drawing/2014/main" id="{CE893802-42D8-4C20-A0B5-2A88714B2421}"/>
-              </a:ext>
-            </a:extLst>
-          </p:cNvPr>
-          <p:cNvPicPr>
-            <a:picLocks noChangeAspect="1"/>
-          </p:cNvPicPr>
-          <p:nvPr/>
-        </p:nvPicPr>
-        <p:blipFill>
-          <a:blip r:embed="rId2"/>
-          <a:stretch>
-            <a:fillRect/>
-          </a:stretch>
-        </p:blipFill>
-        <p:spPr>
-          <a:xfrm>
-            <a:off x="4119239" y="206699"/>
-            <a:ext cx="7506724" cy="6444602"/>
-          </a:xfrm>
-          <a:prstGeom prst="rect">
-            <a:avLst/>
-          </a:prstGeom>
-        </p:spPr>
-      </p:pic>
-    </p:spTree>
-    <p:extLst>
-      <p:ext uri="{BB962C8B-B14F-4D97-AF65-F5344CB8AC3E}">
-        <p14:creationId xmlns:p14="http://schemas.microsoft.com/office/powerpoint/2010/main" val="4236032219"/>
-      </p:ext>
-    </p:extLst>
-  </p:cSld>
-  <p:clrMapOvr>
-    <a:masterClrMapping/>
-  </p:clrMapOvr>
-</p:sld>
-</file>
-
-<file path=ppt/slides/slide7.xml><?xml version="1.0" encoding="utf-8"?>
-<p:sld xmlns:a="http://schemas.openxmlformats.org/drawingml/2006/main" xmlns:r="http://schemas.openxmlformats.org/officeDocument/2006/relationships" xmlns:p="http://schemas.openxmlformats.org/presentationml/2006/main">
-  <p:cSld>
-    <p:bg>
-      <p:bgPr>
-        <a:solidFill>
-          <a:srgbClr val="F5A9B3"/>
-        </a:solidFill>
-        <a:effectLst/>
-      </p:bgPr>
-    </p:bg>
-    <p:spTree>
-      <p:nvGrpSpPr>
-        <p:cNvPr id="1" name=""/>
-        <p:cNvGrpSpPr/>
-        <p:nvPr/>
-      </p:nvGrpSpPr>
-      <p:grpSpPr>
-        <a:xfrm>
-          <a:off x="0" y="0"/>
-          <a:ext cx="0" cy="0"/>
-          <a:chOff x="0" y="0"/>
-          <a:chExt cx="0" cy="0"/>
-        </a:xfrm>
-      </p:grpSpPr>
-      <p:sp>
-        <p:nvSpPr>
-          <p:cNvPr id="5" name="Title 1">
-            <a:extLst>
-              <a:ext uri="{FF2B5EF4-FFF2-40B4-BE49-F238E27FC236}">
-                <a16:creationId xmlns:a16="http://schemas.microsoft.com/office/drawing/2014/main" id="{A96DB18F-5C9E-411F-8AC6-EAAAE0F43C77}"/>
-              </a:ext>
-            </a:extLst>
-          </p:cNvPr>
-          <p:cNvSpPr>
-            <a:spLocks noGrp="1"/>
-          </p:cNvSpPr>
-          <p:nvPr>
-            <p:ph type="title"/>
-          </p:nvPr>
-        </p:nvSpPr>
-        <p:spPr>
-          <a:xfrm>
-            <a:off x="716334" y="545928"/>
-            <a:ext cx="6607743" cy="2281355"/>
-          </a:xfrm>
-        </p:spPr>
-        <p:txBody>
-          <a:bodyPr/>
-          <a:lstStyle/>
-          <a:p>
-            <a:r>
-              <a:rPr lang="en-US" dirty="0">
-                <a:solidFill>
-                  <a:schemeClr val="tx1">
-                    <a:lumMod val="95000"/>
-                    <a:lumOff val="5000"/>
-                  </a:schemeClr>
-                </a:solidFill>
-                <a:effectLst>
-                  <a:outerShdw blurRad="38100" dist="38100" dir="2700000" algn="tl">
-                    <a:srgbClr val="000000">
-                      <a:alpha val="43137"/>
-                    </a:srgbClr>
-                  </a:outerShdw>
-                </a:effectLst>
-              </a:rPr>
-              <a:t>Tools for Designing UI</a:t>
-            </a:r>
-            <a:endParaRPr lang="ru-RU" dirty="0">
-              <a:solidFill>
-                <a:schemeClr val="tx1">
-                  <a:lumMod val="95000"/>
-                  <a:lumOff val="5000"/>
-                </a:schemeClr>
-              </a:solidFill>
-              <a:effectLst>
-                <a:outerShdw blurRad="38100" dist="38100" dir="2700000" algn="tl">
-                  <a:srgbClr val="000000">
-                    <a:alpha val="43137"/>
-                  </a:srgbClr>
-                </a:outerShdw>
-              </a:effectLst>
-            </a:endParaRPr>
-          </a:p>
-        </p:txBody>
-      </p:sp>
-      <p:cxnSp>
-        <p:nvCxnSpPr>
-          <p:cNvPr id="6" name="Straight Connector 5">
-            <a:extLst>
-              <a:ext uri="{FF2B5EF4-FFF2-40B4-BE49-F238E27FC236}">
-                <a16:creationId xmlns:a16="http://schemas.microsoft.com/office/drawing/2014/main" id="{B57C1065-1300-42D8-AC2A-E79E5619ABD0}"/>
-              </a:ext>
-            </a:extLst>
-          </p:cNvPr>
-          <p:cNvCxnSpPr/>
-          <p:nvPr/>
-        </p:nvCxnSpPr>
-        <p:spPr>
-          <a:xfrm>
-            <a:off x="0" y="2449968"/>
-            <a:ext cx="4705165" cy="0"/>
-          </a:xfrm>
-          <a:prstGeom prst="line">
-            <a:avLst/>
-          </a:prstGeom>
-          <a:ln w="127000">
-            <a:solidFill>
-              <a:srgbClr val="DB5A6B"/>
-            </a:solidFill>
-          </a:ln>
-        </p:spPr>
-        <p:style>
-          <a:lnRef idx="1">
-            <a:schemeClr val="accent1"/>
-          </a:lnRef>
-          <a:fillRef idx="0">
-            <a:schemeClr val="accent1"/>
-          </a:fillRef>
-          <a:effectRef idx="0">
-            <a:schemeClr val="accent1"/>
-          </a:effectRef>
-          <a:fontRef idx="minor">
-            <a:schemeClr val="tx1"/>
-          </a:fontRef>
-        </p:style>
-      </p:cxnSp>
-      <p:pic>
-        <p:nvPicPr>
-          <p:cNvPr id="3" name="Picture 2" descr="A picture containing clipart&#10;&#10;Description automatically generated">
-            <a:extLst>
-              <a:ext uri="{FF2B5EF4-FFF2-40B4-BE49-F238E27FC236}">
-                <a16:creationId xmlns:a16="http://schemas.microsoft.com/office/drawing/2014/main" id="{DEB93F2A-185B-4BAE-BF19-0864EC2C5758}"/>
-              </a:ext>
-            </a:extLst>
-          </p:cNvPr>
-          <p:cNvPicPr>
-            <a:picLocks noChangeAspect="1"/>
-          </p:cNvPicPr>
-          <p:nvPr/>
-        </p:nvPicPr>
-        <p:blipFill>
-          <a:blip r:embed="rId2">
-            <a:extLst>
-              <a:ext uri="{28A0092B-C50C-407E-A947-70E740481C1C}">
-                <a14:useLocalDpi xmlns:a14="http://schemas.microsoft.com/office/drawing/2010/main" val="0"/>
-              </a:ext>
-            </a:extLst>
-          </a:blip>
-          <a:stretch>
-            <a:fillRect/>
-          </a:stretch>
-        </p:blipFill>
-        <p:spPr>
-          <a:xfrm>
-            <a:off x="1020608" y="2959155"/>
-            <a:ext cx="2143125" cy="2143125"/>
-          </a:xfrm>
-          <a:prstGeom prst="rect">
-            <a:avLst/>
-          </a:prstGeom>
-        </p:spPr>
-      </p:pic>
-      <p:pic>
-        <p:nvPicPr>
-          <p:cNvPr id="9" name="Picture 8">
-            <a:extLst>
-              <a:ext uri="{FF2B5EF4-FFF2-40B4-BE49-F238E27FC236}">
-                <a16:creationId xmlns:a16="http://schemas.microsoft.com/office/drawing/2014/main" id="{E2EE5317-2FBF-47CB-9703-DEE5019170C9}"/>
-              </a:ext>
-            </a:extLst>
-          </p:cNvPr>
-          <p:cNvPicPr>
-            <a:picLocks noChangeAspect="1"/>
-          </p:cNvPicPr>
-          <p:nvPr/>
-        </p:nvPicPr>
-        <p:blipFill>
-          <a:blip r:embed="rId3"/>
-          <a:stretch>
-            <a:fillRect/>
-          </a:stretch>
-        </p:blipFill>
-        <p:spPr>
-          <a:xfrm>
-            <a:off x="3691406" y="2827283"/>
-            <a:ext cx="4542857" cy="1895238"/>
-          </a:xfrm>
-          <a:prstGeom prst="rect">
-            <a:avLst/>
-          </a:prstGeom>
-        </p:spPr>
-      </p:pic>
-      <p:pic>
-        <p:nvPicPr>
-          <p:cNvPr id="11" name="Picture 10" descr="A close up of a sign&#10;&#10;Description automatically generated">
-            <a:extLst>
-              <a:ext uri="{FF2B5EF4-FFF2-40B4-BE49-F238E27FC236}">
-                <a16:creationId xmlns:a16="http://schemas.microsoft.com/office/drawing/2014/main" id="{5AE49589-394D-4916-927E-00E0268A256F}"/>
-              </a:ext>
-            </a:extLst>
-          </p:cNvPr>
-          <p:cNvPicPr>
-            <a:picLocks noChangeAspect="1"/>
-          </p:cNvPicPr>
-          <p:nvPr/>
-        </p:nvPicPr>
-        <p:blipFill>
-          <a:blip r:embed="rId4">
-            <a:extLst>
-              <a:ext uri="{28A0092B-C50C-407E-A947-70E740481C1C}">
-                <a14:useLocalDpi xmlns:a14="http://schemas.microsoft.com/office/drawing/2010/main" val="0"/>
-              </a:ext>
-            </a:extLst>
-          </a:blip>
-          <a:stretch>
-            <a:fillRect/>
-          </a:stretch>
-        </p:blipFill>
-        <p:spPr>
-          <a:xfrm>
-            <a:off x="3691406" y="5099835"/>
-            <a:ext cx="3992888" cy="850394"/>
-          </a:xfrm>
-          <a:prstGeom prst="rect">
-            <a:avLst/>
-          </a:prstGeom>
-        </p:spPr>
-      </p:pic>
-      <p:pic>
-        <p:nvPicPr>
-          <p:cNvPr id="13" name="Picture 12" descr="A close up of a logo&#10;&#10;Description automatically generated">
-            <a:extLst>
-              <a:ext uri="{FF2B5EF4-FFF2-40B4-BE49-F238E27FC236}">
-                <a16:creationId xmlns:a16="http://schemas.microsoft.com/office/drawing/2014/main" id="{D39AD25F-15F4-4755-A7D4-98C226B06569}"/>
-              </a:ext>
-            </a:extLst>
-          </p:cNvPr>
-          <p:cNvPicPr>
-            <a:picLocks noChangeAspect="1"/>
-          </p:cNvPicPr>
-          <p:nvPr/>
-        </p:nvPicPr>
-        <p:blipFill>
-          <a:blip r:embed="rId5">
-            <a:extLst>
-              <a:ext uri="{28A0092B-C50C-407E-A947-70E740481C1C}">
-                <a14:useLocalDpi xmlns:a14="http://schemas.microsoft.com/office/drawing/2010/main" val="0"/>
-              </a:ext>
-            </a:extLst>
-          </a:blip>
-          <a:stretch>
-            <a:fillRect/>
-          </a:stretch>
-        </p:blipFill>
-        <p:spPr>
-          <a:xfrm>
-            <a:off x="8895587" y="3070986"/>
-            <a:ext cx="2275805" cy="2275805"/>
-          </a:xfrm>
-          <a:prstGeom prst="rect">
-            <a:avLst/>
-          </a:prstGeom>
-        </p:spPr>
-      </p:pic>
-    </p:spTree>
-    <p:extLst>
-      <p:ext uri="{BB962C8B-B14F-4D97-AF65-F5344CB8AC3E}">
-        <p14:creationId xmlns:p14="http://schemas.microsoft.com/office/powerpoint/2010/main" val="2353457561"/>
-      </p:ext>
-    </p:extLst>
-  </p:cSld>
-  <p:clrMapOvr>
-    <a:masterClrMapping/>
-  </p:clrMapOvr>
-</p:sld>
-</file>
-
-<file path=ppt/slides/slide8.xml><?xml version="1.0" encoding="utf-8"?>
+<file path=ppt/slides/slide10.xml><?xml version="1.0" encoding="utf-8"?>
 <p:sld xmlns:a="http://schemas.openxmlformats.org/drawingml/2006/main" xmlns:r="http://schemas.openxmlformats.org/officeDocument/2006/relationships" xmlns:p="http://schemas.openxmlformats.org/presentationml/2006/main">
   <p:cSld>
     <p:bg>
@@ -4993,7 +3712,7 @@
 </p:sld>
 </file>
 
-<file path=ppt/slides/slide9.xml><?xml version="1.0" encoding="utf-8"?>
+<file path=ppt/slides/slide11.xml><?xml version="1.0" encoding="utf-8"?>
 <p:sld xmlns:a="http://schemas.openxmlformats.org/drawingml/2006/main" xmlns:r="http://schemas.openxmlformats.org/officeDocument/2006/relationships" xmlns:p="http://schemas.openxmlformats.org/presentationml/2006/main">
   <p:cSld>
     <p:spTree>
@@ -5127,6 +3846,1692 @@
     <p:extLst>
       <p:ext uri="{BB962C8B-B14F-4D97-AF65-F5344CB8AC3E}">
         <p14:creationId xmlns:p14="http://schemas.microsoft.com/office/powerpoint/2010/main" val="2400732813"/>
+      </p:ext>
+    </p:extLst>
+  </p:cSld>
+  <p:clrMapOvr>
+    <a:masterClrMapping/>
+  </p:clrMapOvr>
+</p:sld>
+</file>
+
+<file path=ppt/slides/slide2.xml><?xml version="1.0" encoding="utf-8"?>
+<p:sld xmlns:a="http://schemas.openxmlformats.org/drawingml/2006/main" xmlns:r="http://schemas.openxmlformats.org/officeDocument/2006/relationships" xmlns:p="http://schemas.openxmlformats.org/presentationml/2006/main">
+  <p:cSld>
+    <p:bg>
+      <p:bgPr>
+        <a:solidFill>
+          <a:srgbClr val="F5A9B3"/>
+        </a:solidFill>
+        <a:effectLst/>
+      </p:bgPr>
+    </p:bg>
+    <p:spTree>
+      <p:nvGrpSpPr>
+        <p:cNvPr id="1" name=""/>
+        <p:cNvGrpSpPr/>
+        <p:nvPr/>
+      </p:nvGrpSpPr>
+      <p:grpSpPr>
+        <a:xfrm>
+          <a:off x="0" y="0"/>
+          <a:ext cx="0" cy="0"/>
+          <a:chOff x="0" y="0"/>
+          <a:chExt cx="0" cy="0"/>
+        </a:xfrm>
+      </p:grpSpPr>
+      <p:sp>
+        <p:nvSpPr>
+          <p:cNvPr id="5" name="Title 1">
+            <a:extLst>
+              <a:ext uri="{FF2B5EF4-FFF2-40B4-BE49-F238E27FC236}">
+                <a16:creationId xmlns:a16="http://schemas.microsoft.com/office/drawing/2014/main" id="{A96DB18F-5C9E-411F-8AC6-EAAAE0F43C77}"/>
+              </a:ext>
+            </a:extLst>
+          </p:cNvPr>
+          <p:cNvSpPr>
+            <a:spLocks noGrp="1"/>
+          </p:cNvSpPr>
+          <p:nvPr>
+            <p:ph type="title"/>
+          </p:nvPr>
+        </p:nvSpPr>
+        <p:spPr>
+          <a:xfrm>
+            <a:off x="716335" y="545928"/>
+            <a:ext cx="6474578" cy="2281355"/>
+          </a:xfrm>
+        </p:spPr>
+        <p:txBody>
+          <a:bodyPr/>
+          <a:lstStyle/>
+          <a:p>
+            <a:r>
+              <a:rPr lang="en-US" dirty="0">
+                <a:solidFill>
+                  <a:schemeClr val="tx1">
+                    <a:lumMod val="95000"/>
+                    <a:lumOff val="5000"/>
+                  </a:schemeClr>
+                </a:solidFill>
+                <a:effectLst>
+                  <a:outerShdw blurRad="38100" dist="38100" dir="2700000" algn="tl">
+                    <a:srgbClr val="000000">
+                      <a:alpha val="43137"/>
+                    </a:srgbClr>
+                  </a:outerShdw>
+                </a:effectLst>
+              </a:rPr>
+              <a:t>What is REST?</a:t>
+            </a:r>
+            <a:endParaRPr lang="ru-RU" dirty="0">
+              <a:solidFill>
+                <a:schemeClr val="tx1">
+                  <a:lumMod val="95000"/>
+                  <a:lumOff val="5000"/>
+                </a:schemeClr>
+              </a:solidFill>
+              <a:effectLst>
+                <a:outerShdw blurRad="38100" dist="38100" dir="2700000" algn="tl">
+                  <a:srgbClr val="000000">
+                    <a:alpha val="43137"/>
+                  </a:srgbClr>
+                </a:outerShdw>
+              </a:effectLst>
+            </a:endParaRPr>
+          </a:p>
+        </p:txBody>
+      </p:sp>
+      <p:cxnSp>
+        <p:nvCxnSpPr>
+          <p:cNvPr id="6" name="Straight Connector 5">
+            <a:extLst>
+              <a:ext uri="{FF2B5EF4-FFF2-40B4-BE49-F238E27FC236}">
+                <a16:creationId xmlns:a16="http://schemas.microsoft.com/office/drawing/2014/main" id="{B57C1065-1300-42D8-AC2A-E79E5619ABD0}"/>
+              </a:ext>
+            </a:extLst>
+          </p:cNvPr>
+          <p:cNvCxnSpPr/>
+          <p:nvPr/>
+        </p:nvCxnSpPr>
+        <p:spPr>
+          <a:xfrm>
+            <a:off x="0" y="2449968"/>
+            <a:ext cx="4705165" cy="0"/>
+          </a:xfrm>
+          <a:prstGeom prst="line">
+            <a:avLst/>
+          </a:prstGeom>
+          <a:ln w="127000">
+            <a:solidFill>
+              <a:srgbClr val="DB5A6B"/>
+            </a:solidFill>
+          </a:ln>
+        </p:spPr>
+        <p:style>
+          <a:lnRef idx="1">
+            <a:schemeClr val="accent1"/>
+          </a:lnRef>
+          <a:fillRef idx="0">
+            <a:schemeClr val="accent1"/>
+          </a:fillRef>
+          <a:effectRef idx="0">
+            <a:schemeClr val="accent1"/>
+          </a:effectRef>
+          <a:fontRef idx="minor">
+            <a:schemeClr val="tx1"/>
+          </a:fontRef>
+        </p:style>
+      </p:cxnSp>
+      <p:sp>
+        <p:nvSpPr>
+          <p:cNvPr id="7" name="TextBox 6">
+            <a:hlinkClick r:id="rId2"/>
+            <a:extLst>
+              <a:ext uri="{FF2B5EF4-FFF2-40B4-BE49-F238E27FC236}">
+                <a16:creationId xmlns:a16="http://schemas.microsoft.com/office/drawing/2014/main" id="{6F5B83B7-A5A3-4EF9-ADB9-A688A58C251C}"/>
+              </a:ext>
+            </a:extLst>
+          </p:cNvPr>
+          <p:cNvSpPr txBox="1"/>
+          <p:nvPr/>
+        </p:nvSpPr>
+        <p:spPr>
+          <a:xfrm>
+            <a:off x="716335" y="2699002"/>
+            <a:ext cx="10451774" cy="1938992"/>
+          </a:xfrm>
+          <a:prstGeom prst="rect">
+            <a:avLst/>
+          </a:prstGeom>
+          <a:noFill/>
+        </p:spPr>
+        <p:txBody>
+          <a:bodyPr wrap="square" rtlCol="0">
+            <a:spAutoFit/>
+          </a:bodyPr>
+          <a:lstStyle/>
+          <a:p>
+            <a:pPr marL="342900" indent="-342900">
+              <a:buFont typeface="Arial" panose="020B0604020202020204" pitchFamily="34" charset="0"/>
+              <a:buChar char="•"/>
+            </a:pPr>
+            <a:r>
+              <a:rPr lang="en-US" sz="2400" dirty="0"/>
+              <a:t>REST stands for </a:t>
+            </a:r>
+            <a:r>
+              <a:rPr lang="en-US" sz="2400" i="1" dirty="0">
+                <a:solidFill>
+                  <a:schemeClr val="bg1"/>
+                </a:solidFill>
+              </a:rPr>
+              <a:t>Representational State Transfer</a:t>
+            </a:r>
+            <a:r>
+              <a:rPr lang="en-US" sz="2400" i="1" dirty="0"/>
+              <a:t>.</a:t>
+            </a:r>
+          </a:p>
+          <a:p>
+            <a:pPr marL="342900" indent="-342900">
+              <a:buFont typeface="Arial" panose="020B0604020202020204" pitchFamily="34" charset="0"/>
+              <a:buChar char="•"/>
+            </a:pPr>
+            <a:r>
+              <a:rPr lang="en-PH" sz="2400" dirty="0"/>
+              <a:t>Representational State Transfer (REST) is an architectural style for building web services.</a:t>
+            </a:r>
+            <a:r>
+              <a:rPr lang="en-US" sz="2400" dirty="0"/>
+              <a:t> </a:t>
+            </a:r>
+          </a:p>
+          <a:p>
+            <a:pPr marL="342900" indent="-342900">
+              <a:buFont typeface="Arial" panose="020B0604020202020204" pitchFamily="34" charset="0"/>
+              <a:buChar char="•"/>
+            </a:pPr>
+            <a:r>
+              <a:rPr lang="en-PH" sz="2400" dirty="0"/>
+              <a:t>REST requests are made over HTTP using the same HTTP verbs that web browsers use to retrieve web pages and to send data to servers.</a:t>
+            </a:r>
+            <a:endParaRPr lang="en-US" sz="2400" dirty="0"/>
+          </a:p>
+        </p:txBody>
+      </p:sp>
+    </p:spTree>
+    <p:extLst>
+      <p:ext uri="{BB962C8B-B14F-4D97-AF65-F5344CB8AC3E}">
+        <p14:creationId xmlns:p14="http://schemas.microsoft.com/office/powerpoint/2010/main" val="4088013032"/>
+      </p:ext>
+    </p:extLst>
+  </p:cSld>
+  <p:clrMapOvr>
+    <a:masterClrMapping/>
+  </p:clrMapOvr>
+</p:sld>
+</file>
+
+<file path=ppt/slides/slide3.xml><?xml version="1.0" encoding="utf-8"?>
+<p:sld xmlns:a="http://schemas.openxmlformats.org/drawingml/2006/main" xmlns:r="http://schemas.openxmlformats.org/officeDocument/2006/relationships" xmlns:p="http://schemas.openxmlformats.org/presentationml/2006/main">
+  <p:cSld>
+    <p:bg>
+      <p:bgPr>
+        <a:solidFill>
+          <a:srgbClr val="F5A9B3"/>
+        </a:solidFill>
+        <a:effectLst/>
+      </p:bgPr>
+    </p:bg>
+    <p:spTree>
+      <p:nvGrpSpPr>
+        <p:cNvPr id="1" name=""/>
+        <p:cNvGrpSpPr/>
+        <p:nvPr/>
+      </p:nvGrpSpPr>
+      <p:grpSpPr>
+        <a:xfrm>
+          <a:off x="0" y="0"/>
+          <a:ext cx="0" cy="0"/>
+          <a:chOff x="0" y="0"/>
+          <a:chExt cx="0" cy="0"/>
+        </a:xfrm>
+      </p:grpSpPr>
+      <p:sp>
+        <p:nvSpPr>
+          <p:cNvPr id="5" name="Title 1">
+            <a:extLst>
+              <a:ext uri="{FF2B5EF4-FFF2-40B4-BE49-F238E27FC236}">
+                <a16:creationId xmlns:a16="http://schemas.microsoft.com/office/drawing/2014/main" id="{A96DB18F-5C9E-411F-8AC6-EAAAE0F43C77}"/>
+              </a:ext>
+            </a:extLst>
+          </p:cNvPr>
+          <p:cNvSpPr>
+            <a:spLocks noGrp="1"/>
+          </p:cNvSpPr>
+          <p:nvPr>
+            <p:ph type="title"/>
+          </p:nvPr>
+        </p:nvSpPr>
+        <p:spPr>
+          <a:xfrm>
+            <a:off x="716335" y="545928"/>
+            <a:ext cx="6474578" cy="2281355"/>
+          </a:xfrm>
+        </p:spPr>
+        <p:txBody>
+          <a:bodyPr/>
+          <a:lstStyle/>
+          <a:p>
+            <a:r>
+              <a:rPr lang="en-US" dirty="0">
+                <a:solidFill>
+                  <a:schemeClr val="tx1">
+                    <a:lumMod val="95000"/>
+                    <a:lumOff val="5000"/>
+                  </a:schemeClr>
+                </a:solidFill>
+                <a:effectLst>
+                  <a:outerShdw blurRad="38100" dist="38100" dir="2700000" algn="tl">
+                    <a:srgbClr val="000000">
+                      <a:alpha val="43137"/>
+                    </a:srgbClr>
+                  </a:outerShdw>
+                </a:effectLst>
+              </a:rPr>
+              <a:t>HTTP Verbs</a:t>
+            </a:r>
+            <a:endParaRPr lang="ru-RU" dirty="0">
+              <a:solidFill>
+                <a:schemeClr val="tx1">
+                  <a:lumMod val="95000"/>
+                  <a:lumOff val="5000"/>
+                </a:schemeClr>
+              </a:solidFill>
+              <a:effectLst>
+                <a:outerShdw blurRad="38100" dist="38100" dir="2700000" algn="tl">
+                  <a:srgbClr val="000000">
+                    <a:alpha val="43137"/>
+                  </a:srgbClr>
+                </a:outerShdw>
+              </a:effectLst>
+            </a:endParaRPr>
+          </a:p>
+        </p:txBody>
+      </p:sp>
+      <p:cxnSp>
+        <p:nvCxnSpPr>
+          <p:cNvPr id="6" name="Straight Connector 5">
+            <a:extLst>
+              <a:ext uri="{FF2B5EF4-FFF2-40B4-BE49-F238E27FC236}">
+                <a16:creationId xmlns:a16="http://schemas.microsoft.com/office/drawing/2014/main" id="{B57C1065-1300-42D8-AC2A-E79E5619ABD0}"/>
+              </a:ext>
+            </a:extLst>
+          </p:cNvPr>
+          <p:cNvCxnSpPr/>
+          <p:nvPr/>
+        </p:nvCxnSpPr>
+        <p:spPr>
+          <a:xfrm>
+            <a:off x="0" y="2449968"/>
+            <a:ext cx="4705165" cy="0"/>
+          </a:xfrm>
+          <a:prstGeom prst="line">
+            <a:avLst/>
+          </a:prstGeom>
+          <a:ln w="127000">
+            <a:solidFill>
+              <a:srgbClr val="DB5A6B"/>
+            </a:solidFill>
+          </a:ln>
+        </p:spPr>
+        <p:style>
+          <a:lnRef idx="1">
+            <a:schemeClr val="accent1"/>
+          </a:lnRef>
+          <a:fillRef idx="0">
+            <a:schemeClr val="accent1"/>
+          </a:fillRef>
+          <a:effectRef idx="0">
+            <a:schemeClr val="accent1"/>
+          </a:effectRef>
+          <a:fontRef idx="minor">
+            <a:schemeClr val="tx1"/>
+          </a:fontRef>
+        </p:style>
+      </p:cxnSp>
+      <p:sp>
+        <p:nvSpPr>
+          <p:cNvPr id="7" name="TextBox 6">
+            <a:hlinkClick r:id="rId2"/>
+            <a:extLst>
+              <a:ext uri="{FF2B5EF4-FFF2-40B4-BE49-F238E27FC236}">
+                <a16:creationId xmlns:a16="http://schemas.microsoft.com/office/drawing/2014/main" id="{6F5B83B7-A5A3-4EF9-ADB9-A688A58C251C}"/>
+              </a:ext>
+            </a:extLst>
+          </p:cNvPr>
+          <p:cNvSpPr txBox="1"/>
+          <p:nvPr/>
+        </p:nvSpPr>
+        <p:spPr>
+          <a:xfrm>
+            <a:off x="716335" y="2699002"/>
+            <a:ext cx="10451774" cy="2677656"/>
+          </a:xfrm>
+          <a:prstGeom prst="rect">
+            <a:avLst/>
+          </a:prstGeom>
+          <a:noFill/>
+        </p:spPr>
+        <p:txBody>
+          <a:bodyPr wrap="square" rtlCol="0">
+            <a:spAutoFit/>
+          </a:bodyPr>
+          <a:lstStyle/>
+          <a:p>
+            <a:pPr marL="342900" indent="-342900">
+              <a:buFont typeface="Arial" panose="020B0604020202020204" pitchFamily="34" charset="0"/>
+              <a:buChar char="•"/>
+            </a:pPr>
+            <a:r>
+              <a:rPr lang="en-PH" sz="2400" dirty="0">
+                <a:solidFill>
+                  <a:schemeClr val="bg1"/>
+                </a:solidFill>
+              </a:rPr>
+              <a:t>GET</a:t>
+            </a:r>
+            <a:r>
+              <a:rPr lang="en-PH" sz="2400" dirty="0"/>
+              <a:t> – this operation is used to retrieve data from the web service.</a:t>
+            </a:r>
+          </a:p>
+          <a:p>
+            <a:pPr marL="342900" indent="-342900">
+              <a:buFont typeface="Arial" panose="020B0604020202020204" pitchFamily="34" charset="0"/>
+              <a:buChar char="•"/>
+            </a:pPr>
+            <a:r>
+              <a:rPr lang="en-PH" sz="2400" dirty="0">
+                <a:solidFill>
+                  <a:schemeClr val="bg1"/>
+                </a:solidFill>
+              </a:rPr>
+              <a:t>POST</a:t>
+            </a:r>
+            <a:r>
+              <a:rPr lang="en-PH" sz="2400" dirty="0"/>
+              <a:t> – this operation is used to create a new item of data on the web service.</a:t>
+            </a:r>
+          </a:p>
+          <a:p>
+            <a:pPr marL="342900" indent="-342900">
+              <a:buFont typeface="Arial" panose="020B0604020202020204" pitchFamily="34" charset="0"/>
+              <a:buChar char="•"/>
+            </a:pPr>
+            <a:r>
+              <a:rPr lang="en-PH" sz="2400" dirty="0">
+                <a:solidFill>
+                  <a:schemeClr val="bg1"/>
+                </a:solidFill>
+              </a:rPr>
+              <a:t>PUT</a:t>
+            </a:r>
+            <a:r>
+              <a:rPr lang="en-PH" sz="2400" dirty="0"/>
+              <a:t> – this operation is used to update an item of data on the web service.</a:t>
+            </a:r>
+          </a:p>
+          <a:p>
+            <a:pPr marL="342900" indent="-342900">
+              <a:buFont typeface="Arial" panose="020B0604020202020204" pitchFamily="34" charset="0"/>
+              <a:buChar char="•"/>
+            </a:pPr>
+            <a:r>
+              <a:rPr lang="en-PH" sz="2400" dirty="0">
+                <a:solidFill>
+                  <a:schemeClr val="bg1"/>
+                </a:solidFill>
+              </a:rPr>
+              <a:t>PATCH</a:t>
+            </a:r>
+            <a:r>
+              <a:rPr lang="en-PH" sz="2400" dirty="0"/>
+              <a:t> – this operation is used to update an item of data on the web service by describing a set of instructions about how the item should be modified. This verb is not used in the sample application.</a:t>
+            </a:r>
+          </a:p>
+          <a:p>
+            <a:pPr marL="342900" indent="-342900">
+              <a:buFont typeface="Arial" panose="020B0604020202020204" pitchFamily="34" charset="0"/>
+              <a:buChar char="•"/>
+            </a:pPr>
+            <a:r>
+              <a:rPr lang="en-PH" sz="2400" dirty="0">
+                <a:solidFill>
+                  <a:schemeClr val="bg1"/>
+                </a:solidFill>
+              </a:rPr>
+              <a:t>DELETE</a:t>
+            </a:r>
+            <a:r>
+              <a:rPr lang="en-PH" sz="2400" dirty="0"/>
+              <a:t> – this operation is used to delete an item of data on the web service.</a:t>
+            </a:r>
+            <a:endParaRPr lang="en-US" sz="2400" dirty="0"/>
+          </a:p>
+        </p:txBody>
+      </p:sp>
+    </p:spTree>
+    <p:extLst>
+      <p:ext uri="{BB962C8B-B14F-4D97-AF65-F5344CB8AC3E}">
+        <p14:creationId xmlns:p14="http://schemas.microsoft.com/office/powerpoint/2010/main" val="2011754072"/>
+      </p:ext>
+    </p:extLst>
+  </p:cSld>
+  <p:clrMapOvr>
+    <a:masterClrMapping/>
+  </p:clrMapOvr>
+</p:sld>
+</file>
+
+<file path=ppt/slides/slide4.xml><?xml version="1.0" encoding="utf-8"?>
+<p:sld xmlns:a="http://schemas.openxmlformats.org/drawingml/2006/main" xmlns:r="http://schemas.openxmlformats.org/officeDocument/2006/relationships" xmlns:p="http://schemas.openxmlformats.org/presentationml/2006/main">
+  <p:cSld>
+    <p:bg>
+      <p:bgPr>
+        <a:solidFill>
+          <a:srgbClr val="F5A9B3"/>
+        </a:solidFill>
+        <a:effectLst/>
+      </p:bgPr>
+    </p:bg>
+    <p:spTree>
+      <p:nvGrpSpPr>
+        <p:cNvPr id="1" name=""/>
+        <p:cNvGrpSpPr/>
+        <p:nvPr/>
+      </p:nvGrpSpPr>
+      <p:grpSpPr>
+        <a:xfrm>
+          <a:off x="0" y="0"/>
+          <a:ext cx="0" cy="0"/>
+          <a:chOff x="0" y="0"/>
+          <a:chExt cx="0" cy="0"/>
+        </a:xfrm>
+      </p:grpSpPr>
+      <p:sp>
+        <p:nvSpPr>
+          <p:cNvPr id="5" name="Title 1">
+            <a:extLst>
+              <a:ext uri="{FF2B5EF4-FFF2-40B4-BE49-F238E27FC236}">
+                <a16:creationId xmlns:a16="http://schemas.microsoft.com/office/drawing/2014/main" id="{A96DB18F-5C9E-411F-8AC6-EAAAE0F43C77}"/>
+              </a:ext>
+            </a:extLst>
+          </p:cNvPr>
+          <p:cNvSpPr>
+            <a:spLocks noGrp="1"/>
+          </p:cNvSpPr>
+          <p:nvPr>
+            <p:ph type="title"/>
+          </p:nvPr>
+        </p:nvSpPr>
+        <p:spPr>
+          <a:xfrm>
+            <a:off x="716335" y="545928"/>
+            <a:ext cx="6474578" cy="2281355"/>
+          </a:xfrm>
+        </p:spPr>
+        <p:txBody>
+          <a:bodyPr/>
+          <a:lstStyle/>
+          <a:p>
+            <a:r>
+              <a:rPr lang="en-US" dirty="0">
+                <a:solidFill>
+                  <a:schemeClr val="tx1">
+                    <a:lumMod val="95000"/>
+                    <a:lumOff val="5000"/>
+                  </a:schemeClr>
+                </a:solidFill>
+                <a:effectLst>
+                  <a:outerShdw blurRad="38100" dist="38100" dir="2700000" algn="tl">
+                    <a:srgbClr val="000000">
+                      <a:alpha val="43137"/>
+                    </a:srgbClr>
+                  </a:outerShdw>
+                </a:effectLst>
+              </a:rPr>
+              <a:t>What is REST?</a:t>
+            </a:r>
+            <a:endParaRPr lang="ru-RU" dirty="0">
+              <a:solidFill>
+                <a:schemeClr val="tx1">
+                  <a:lumMod val="95000"/>
+                  <a:lumOff val="5000"/>
+                </a:schemeClr>
+              </a:solidFill>
+              <a:effectLst>
+                <a:outerShdw blurRad="38100" dist="38100" dir="2700000" algn="tl">
+                  <a:srgbClr val="000000">
+                    <a:alpha val="43137"/>
+                  </a:srgbClr>
+                </a:outerShdw>
+              </a:effectLst>
+            </a:endParaRPr>
+          </a:p>
+        </p:txBody>
+      </p:sp>
+      <p:cxnSp>
+        <p:nvCxnSpPr>
+          <p:cNvPr id="6" name="Straight Connector 5">
+            <a:extLst>
+              <a:ext uri="{FF2B5EF4-FFF2-40B4-BE49-F238E27FC236}">
+                <a16:creationId xmlns:a16="http://schemas.microsoft.com/office/drawing/2014/main" id="{B57C1065-1300-42D8-AC2A-E79E5619ABD0}"/>
+              </a:ext>
+            </a:extLst>
+          </p:cNvPr>
+          <p:cNvCxnSpPr/>
+          <p:nvPr/>
+        </p:nvCxnSpPr>
+        <p:spPr>
+          <a:xfrm>
+            <a:off x="0" y="2449968"/>
+            <a:ext cx="4705165" cy="0"/>
+          </a:xfrm>
+          <a:prstGeom prst="line">
+            <a:avLst/>
+          </a:prstGeom>
+          <a:ln w="127000">
+            <a:solidFill>
+              <a:srgbClr val="DB5A6B"/>
+            </a:solidFill>
+          </a:ln>
+        </p:spPr>
+        <p:style>
+          <a:lnRef idx="1">
+            <a:schemeClr val="accent1"/>
+          </a:lnRef>
+          <a:fillRef idx="0">
+            <a:schemeClr val="accent1"/>
+          </a:fillRef>
+          <a:effectRef idx="0">
+            <a:schemeClr val="accent1"/>
+          </a:effectRef>
+          <a:fontRef idx="minor">
+            <a:schemeClr val="tx1"/>
+          </a:fontRef>
+        </p:style>
+      </p:cxnSp>
+      <p:sp>
+        <p:nvSpPr>
+          <p:cNvPr id="7" name="TextBox 6">
+            <a:hlinkClick r:id="rId2"/>
+            <a:extLst>
+              <a:ext uri="{FF2B5EF4-FFF2-40B4-BE49-F238E27FC236}">
+                <a16:creationId xmlns:a16="http://schemas.microsoft.com/office/drawing/2014/main" id="{6F5B83B7-A5A3-4EF9-ADB9-A688A58C251C}"/>
+              </a:ext>
+            </a:extLst>
+          </p:cNvPr>
+          <p:cNvSpPr txBox="1"/>
+          <p:nvPr/>
+        </p:nvSpPr>
+        <p:spPr>
+          <a:xfrm>
+            <a:off x="716335" y="2699002"/>
+            <a:ext cx="10451774" cy="2677656"/>
+          </a:xfrm>
+          <a:prstGeom prst="rect">
+            <a:avLst/>
+          </a:prstGeom>
+          <a:noFill/>
+        </p:spPr>
+        <p:txBody>
+          <a:bodyPr wrap="square" rtlCol="0">
+            <a:spAutoFit/>
+          </a:bodyPr>
+          <a:lstStyle/>
+          <a:p>
+            <a:r>
+              <a:rPr lang="en-PH" sz="2400" dirty="0"/>
+              <a:t>Web service APIs that adhere to REST are called </a:t>
+            </a:r>
+            <a:r>
+              <a:rPr lang="en-PH" sz="2400" dirty="0">
+                <a:solidFill>
+                  <a:schemeClr val="bg1"/>
+                </a:solidFill>
+              </a:rPr>
+              <a:t>RESTful API</a:t>
+            </a:r>
+            <a:r>
+              <a:rPr lang="en-PH" sz="2400" dirty="0"/>
+              <a:t>s, and are defined using:</a:t>
+            </a:r>
+          </a:p>
+          <a:p>
+            <a:endParaRPr lang="en-PH" sz="2400" dirty="0"/>
+          </a:p>
+          <a:p>
+            <a:pPr marL="342900" indent="-342900">
+              <a:buFont typeface="Arial" panose="020B0604020202020204" pitchFamily="34" charset="0"/>
+              <a:buChar char="•"/>
+            </a:pPr>
+            <a:r>
+              <a:rPr lang="en-PH" sz="2400" dirty="0"/>
+              <a:t>A base URI.</a:t>
+            </a:r>
+          </a:p>
+          <a:p>
+            <a:pPr marL="342900" indent="-342900">
+              <a:buFont typeface="Arial" panose="020B0604020202020204" pitchFamily="34" charset="0"/>
+              <a:buChar char="•"/>
+            </a:pPr>
+            <a:r>
+              <a:rPr lang="en-PH" sz="2400" dirty="0"/>
+              <a:t>HTTP methods, such as GET, POST, PUT, PATCH, or DELETE.</a:t>
+            </a:r>
+          </a:p>
+          <a:p>
+            <a:pPr marL="342900" indent="-342900">
+              <a:buFont typeface="Arial" panose="020B0604020202020204" pitchFamily="34" charset="0"/>
+              <a:buChar char="•"/>
+            </a:pPr>
+            <a:r>
+              <a:rPr lang="en-PH" sz="2400" dirty="0"/>
+              <a:t>A media type for the data, such as JavaScript Object Notation (JSON).</a:t>
+            </a:r>
+          </a:p>
+          <a:p>
+            <a:pPr marL="342900" indent="-342900">
+              <a:buFont typeface="Arial" panose="020B0604020202020204" pitchFamily="34" charset="0"/>
+              <a:buChar char="•"/>
+            </a:pPr>
+            <a:endParaRPr lang="en-US" sz="2400" dirty="0"/>
+          </a:p>
+        </p:txBody>
+      </p:sp>
+    </p:spTree>
+    <p:extLst>
+      <p:ext uri="{BB962C8B-B14F-4D97-AF65-F5344CB8AC3E}">
+        <p14:creationId xmlns:p14="http://schemas.microsoft.com/office/powerpoint/2010/main" val="2740095055"/>
+      </p:ext>
+    </p:extLst>
+  </p:cSld>
+  <p:clrMapOvr>
+    <a:masterClrMapping/>
+  </p:clrMapOvr>
+</p:sld>
+</file>
+
+<file path=ppt/slides/slide5.xml><?xml version="1.0" encoding="utf-8"?>
+<p:sld xmlns:a="http://schemas.openxmlformats.org/drawingml/2006/main" xmlns:r="http://schemas.openxmlformats.org/officeDocument/2006/relationships" xmlns:p="http://schemas.openxmlformats.org/presentationml/2006/main">
+  <p:cSld>
+    <p:bg>
+      <p:bgPr>
+        <a:solidFill>
+          <a:srgbClr val="F5A9B3"/>
+        </a:solidFill>
+        <a:effectLst/>
+      </p:bgPr>
+    </p:bg>
+    <p:spTree>
+      <p:nvGrpSpPr>
+        <p:cNvPr id="1" name=""/>
+        <p:cNvGrpSpPr/>
+        <p:nvPr/>
+      </p:nvGrpSpPr>
+      <p:grpSpPr>
+        <a:xfrm>
+          <a:off x="0" y="0"/>
+          <a:ext cx="0" cy="0"/>
+          <a:chOff x="0" y="0"/>
+          <a:chExt cx="0" cy="0"/>
+        </a:xfrm>
+      </p:grpSpPr>
+      <p:cxnSp>
+        <p:nvCxnSpPr>
+          <p:cNvPr id="6" name="Straight Connector 5">
+            <a:extLst>
+              <a:ext uri="{FF2B5EF4-FFF2-40B4-BE49-F238E27FC236}">
+                <a16:creationId xmlns:a16="http://schemas.microsoft.com/office/drawing/2014/main" id="{B57C1065-1300-42D8-AC2A-E79E5619ABD0}"/>
+              </a:ext>
+            </a:extLst>
+          </p:cNvPr>
+          <p:cNvCxnSpPr/>
+          <p:nvPr/>
+        </p:nvCxnSpPr>
+        <p:spPr>
+          <a:xfrm>
+            <a:off x="0" y="2449968"/>
+            <a:ext cx="4705165" cy="0"/>
+          </a:xfrm>
+          <a:prstGeom prst="line">
+            <a:avLst/>
+          </a:prstGeom>
+          <a:ln w="127000">
+            <a:solidFill>
+              <a:srgbClr val="DB5A6B"/>
+            </a:solidFill>
+          </a:ln>
+        </p:spPr>
+        <p:style>
+          <a:lnRef idx="1">
+            <a:schemeClr val="accent1"/>
+          </a:lnRef>
+          <a:fillRef idx="0">
+            <a:schemeClr val="accent1"/>
+          </a:fillRef>
+          <a:effectRef idx="0">
+            <a:schemeClr val="accent1"/>
+          </a:effectRef>
+          <a:fontRef idx="minor">
+            <a:schemeClr val="tx1"/>
+          </a:fontRef>
+        </p:style>
+      </p:cxnSp>
+      <p:sp>
+        <p:nvSpPr>
+          <p:cNvPr id="4" name="Title 3">
+            <a:extLst>
+              <a:ext uri="{FF2B5EF4-FFF2-40B4-BE49-F238E27FC236}">
+                <a16:creationId xmlns:a16="http://schemas.microsoft.com/office/drawing/2014/main" id="{953262F2-331F-4DEA-9D7B-83B14D8565F3}"/>
+              </a:ext>
+            </a:extLst>
+          </p:cNvPr>
+          <p:cNvSpPr>
+            <a:spLocks noGrp="1"/>
+          </p:cNvSpPr>
+          <p:nvPr>
+            <p:ph type="title"/>
+          </p:nvPr>
+        </p:nvSpPr>
+        <p:spPr/>
+        <p:txBody>
+          <a:bodyPr/>
+          <a:lstStyle/>
+          <a:p>
+            <a:endParaRPr lang="en-PH"/>
+          </a:p>
+        </p:txBody>
+      </p:sp>
+    </p:spTree>
+    <p:extLst>
+      <p:ext uri="{BB962C8B-B14F-4D97-AF65-F5344CB8AC3E}">
+        <p14:creationId xmlns:p14="http://schemas.microsoft.com/office/powerpoint/2010/main" val="1770722718"/>
+      </p:ext>
+    </p:extLst>
+  </p:cSld>
+  <p:clrMapOvr>
+    <a:masterClrMapping/>
+  </p:clrMapOvr>
+</p:sld>
+</file>
+
+<file path=ppt/slides/slide6.xml><?xml version="1.0" encoding="utf-8"?>
+<p:sld xmlns:a="http://schemas.openxmlformats.org/drawingml/2006/main" xmlns:r="http://schemas.openxmlformats.org/officeDocument/2006/relationships" xmlns:p="http://schemas.openxmlformats.org/presentationml/2006/main">
+  <p:cSld>
+    <p:bg>
+      <p:bgPr>
+        <a:solidFill>
+          <a:srgbClr val="F5A9B3"/>
+        </a:solidFill>
+        <a:effectLst/>
+      </p:bgPr>
+    </p:bg>
+    <p:spTree>
+      <p:nvGrpSpPr>
+        <p:cNvPr id="1" name=""/>
+        <p:cNvGrpSpPr/>
+        <p:nvPr/>
+      </p:nvGrpSpPr>
+      <p:grpSpPr>
+        <a:xfrm>
+          <a:off x="0" y="0"/>
+          <a:ext cx="0" cy="0"/>
+          <a:chOff x="0" y="0"/>
+          <a:chExt cx="0" cy="0"/>
+        </a:xfrm>
+      </p:grpSpPr>
+      <p:sp>
+        <p:nvSpPr>
+          <p:cNvPr id="5" name="Title 1">
+            <a:extLst>
+              <a:ext uri="{FF2B5EF4-FFF2-40B4-BE49-F238E27FC236}">
+                <a16:creationId xmlns:a16="http://schemas.microsoft.com/office/drawing/2014/main" id="{A96DB18F-5C9E-411F-8AC6-EAAAE0F43C77}"/>
+              </a:ext>
+            </a:extLst>
+          </p:cNvPr>
+          <p:cNvSpPr>
+            <a:spLocks noGrp="1"/>
+          </p:cNvSpPr>
+          <p:nvPr>
+            <p:ph type="title"/>
+          </p:nvPr>
+        </p:nvSpPr>
+        <p:spPr>
+          <a:xfrm>
+            <a:off x="716335" y="545928"/>
+            <a:ext cx="5986306" cy="2281355"/>
+          </a:xfrm>
+        </p:spPr>
+        <p:txBody>
+          <a:bodyPr/>
+          <a:lstStyle/>
+          <a:p>
+            <a:r>
+              <a:rPr lang="en-US" dirty="0">
+                <a:solidFill>
+                  <a:schemeClr val="tx1">
+                    <a:lumMod val="95000"/>
+                    <a:lumOff val="5000"/>
+                  </a:schemeClr>
+                </a:solidFill>
+                <a:effectLst>
+                  <a:outerShdw blurRad="38100" dist="38100" dir="2700000" algn="tl">
+                    <a:srgbClr val="000000">
+                      <a:alpha val="43137"/>
+                    </a:srgbClr>
+                  </a:outerShdw>
+                </a:effectLst>
+              </a:rPr>
+              <a:t>Effects?</a:t>
+            </a:r>
+            <a:endParaRPr lang="ru-RU" dirty="0">
+              <a:solidFill>
+                <a:schemeClr val="tx1">
+                  <a:lumMod val="95000"/>
+                  <a:lumOff val="5000"/>
+                </a:schemeClr>
+              </a:solidFill>
+              <a:effectLst>
+                <a:outerShdw blurRad="38100" dist="38100" dir="2700000" algn="tl">
+                  <a:srgbClr val="000000">
+                    <a:alpha val="43137"/>
+                  </a:srgbClr>
+                </a:outerShdw>
+              </a:effectLst>
+            </a:endParaRPr>
+          </a:p>
+        </p:txBody>
+      </p:sp>
+      <p:cxnSp>
+        <p:nvCxnSpPr>
+          <p:cNvPr id="6" name="Straight Connector 5">
+            <a:extLst>
+              <a:ext uri="{FF2B5EF4-FFF2-40B4-BE49-F238E27FC236}">
+                <a16:creationId xmlns:a16="http://schemas.microsoft.com/office/drawing/2014/main" id="{B57C1065-1300-42D8-AC2A-E79E5619ABD0}"/>
+              </a:ext>
+            </a:extLst>
+          </p:cNvPr>
+          <p:cNvCxnSpPr/>
+          <p:nvPr/>
+        </p:nvCxnSpPr>
+        <p:spPr>
+          <a:xfrm>
+            <a:off x="0" y="2449968"/>
+            <a:ext cx="4705165" cy="0"/>
+          </a:xfrm>
+          <a:prstGeom prst="line">
+            <a:avLst/>
+          </a:prstGeom>
+          <a:ln w="127000">
+            <a:solidFill>
+              <a:srgbClr val="DB5A6B"/>
+            </a:solidFill>
+          </a:ln>
+        </p:spPr>
+        <p:style>
+          <a:lnRef idx="1">
+            <a:schemeClr val="accent1"/>
+          </a:lnRef>
+          <a:fillRef idx="0">
+            <a:schemeClr val="accent1"/>
+          </a:fillRef>
+          <a:effectRef idx="0">
+            <a:schemeClr val="accent1"/>
+          </a:effectRef>
+          <a:fontRef idx="minor">
+            <a:schemeClr val="tx1"/>
+          </a:fontRef>
+        </p:style>
+      </p:cxnSp>
+      <p:sp>
+        <p:nvSpPr>
+          <p:cNvPr id="8" name="TextBox 7">
+            <a:hlinkClick r:id="rId2"/>
+            <a:extLst>
+              <a:ext uri="{FF2B5EF4-FFF2-40B4-BE49-F238E27FC236}">
+                <a16:creationId xmlns:a16="http://schemas.microsoft.com/office/drawing/2014/main" id="{FCEDABA8-2D75-44A2-B079-177FBD23D2E8}"/>
+              </a:ext>
+            </a:extLst>
+          </p:cNvPr>
+          <p:cNvSpPr txBox="1"/>
+          <p:nvPr/>
+        </p:nvSpPr>
+        <p:spPr>
+          <a:xfrm>
+            <a:off x="716335" y="3172777"/>
+            <a:ext cx="6976175" cy="1200329"/>
+          </a:xfrm>
+          <a:prstGeom prst="rect">
+            <a:avLst/>
+          </a:prstGeom>
+          <a:noFill/>
+        </p:spPr>
+        <p:txBody>
+          <a:bodyPr wrap="square" rtlCol="0">
+            <a:spAutoFit/>
+          </a:bodyPr>
+          <a:lstStyle/>
+          <a:p>
+            <a:r>
+              <a:rPr lang="en-PH" sz="2400" dirty="0"/>
+              <a:t>Effects allow the native controls on each platform to be customized, and are typically used for small styling changes</a:t>
+            </a:r>
+            <a:endParaRPr lang="en-US" sz="2400" dirty="0"/>
+          </a:p>
+        </p:txBody>
+      </p:sp>
+    </p:spTree>
+    <p:extLst>
+      <p:ext uri="{BB962C8B-B14F-4D97-AF65-F5344CB8AC3E}">
+        <p14:creationId xmlns:p14="http://schemas.microsoft.com/office/powerpoint/2010/main" val="2233236329"/>
+      </p:ext>
+    </p:extLst>
+  </p:cSld>
+  <p:clrMapOvr>
+    <a:masterClrMapping/>
+  </p:clrMapOvr>
+</p:sld>
+</file>
+
+<file path=ppt/slides/slide7.xml><?xml version="1.0" encoding="utf-8"?>
+<p:sld xmlns:a="http://schemas.openxmlformats.org/drawingml/2006/main" xmlns:r="http://schemas.openxmlformats.org/officeDocument/2006/relationships" xmlns:p="http://schemas.openxmlformats.org/presentationml/2006/main">
+  <p:cSld>
+    <p:bg>
+      <p:bgPr>
+        <a:solidFill>
+          <a:srgbClr val="F5A9B3"/>
+        </a:solidFill>
+        <a:effectLst/>
+      </p:bgPr>
+    </p:bg>
+    <p:spTree>
+      <p:nvGrpSpPr>
+        <p:cNvPr id="1" name=""/>
+        <p:cNvGrpSpPr/>
+        <p:nvPr/>
+      </p:nvGrpSpPr>
+      <p:grpSpPr>
+        <a:xfrm>
+          <a:off x="0" y="0"/>
+          <a:ext cx="0" cy="0"/>
+          <a:chOff x="0" y="0"/>
+          <a:chExt cx="0" cy="0"/>
+        </a:xfrm>
+      </p:grpSpPr>
+      <p:sp>
+        <p:nvSpPr>
+          <p:cNvPr id="5" name="Title 1">
+            <a:extLst>
+              <a:ext uri="{FF2B5EF4-FFF2-40B4-BE49-F238E27FC236}">
+                <a16:creationId xmlns:a16="http://schemas.microsoft.com/office/drawing/2014/main" id="{A96DB18F-5C9E-411F-8AC6-EAAAE0F43C77}"/>
+              </a:ext>
+            </a:extLst>
+          </p:cNvPr>
+          <p:cNvSpPr>
+            <a:spLocks noGrp="1"/>
+          </p:cNvSpPr>
+          <p:nvPr>
+            <p:ph type="title"/>
+          </p:nvPr>
+        </p:nvSpPr>
+        <p:spPr>
+          <a:xfrm>
+            <a:off x="716335" y="545928"/>
+            <a:ext cx="5986306" cy="2281355"/>
+          </a:xfrm>
+        </p:spPr>
+        <p:txBody>
+          <a:bodyPr/>
+          <a:lstStyle/>
+          <a:p>
+            <a:r>
+              <a:rPr lang="en-US" dirty="0">
+                <a:solidFill>
+                  <a:schemeClr val="tx1">
+                    <a:lumMod val="95000"/>
+                    <a:lumOff val="5000"/>
+                  </a:schemeClr>
+                </a:solidFill>
+                <a:effectLst>
+                  <a:outerShdw blurRad="38100" dist="38100" dir="2700000" algn="tl">
+                    <a:srgbClr val="000000">
+                      <a:alpha val="43137"/>
+                    </a:srgbClr>
+                  </a:outerShdw>
+                </a:effectLst>
+              </a:rPr>
+              <a:t>Custom Renderers?</a:t>
+            </a:r>
+            <a:endParaRPr lang="ru-RU" dirty="0">
+              <a:solidFill>
+                <a:schemeClr val="tx1">
+                  <a:lumMod val="95000"/>
+                  <a:lumOff val="5000"/>
+                </a:schemeClr>
+              </a:solidFill>
+              <a:effectLst>
+                <a:outerShdw blurRad="38100" dist="38100" dir="2700000" algn="tl">
+                  <a:srgbClr val="000000">
+                    <a:alpha val="43137"/>
+                  </a:srgbClr>
+                </a:outerShdw>
+              </a:effectLst>
+            </a:endParaRPr>
+          </a:p>
+        </p:txBody>
+      </p:sp>
+      <p:cxnSp>
+        <p:nvCxnSpPr>
+          <p:cNvPr id="6" name="Straight Connector 5">
+            <a:extLst>
+              <a:ext uri="{FF2B5EF4-FFF2-40B4-BE49-F238E27FC236}">
+                <a16:creationId xmlns:a16="http://schemas.microsoft.com/office/drawing/2014/main" id="{B57C1065-1300-42D8-AC2A-E79E5619ABD0}"/>
+              </a:ext>
+            </a:extLst>
+          </p:cNvPr>
+          <p:cNvCxnSpPr/>
+          <p:nvPr/>
+        </p:nvCxnSpPr>
+        <p:spPr>
+          <a:xfrm>
+            <a:off x="0" y="2449968"/>
+            <a:ext cx="4705165" cy="0"/>
+          </a:xfrm>
+          <a:prstGeom prst="line">
+            <a:avLst/>
+          </a:prstGeom>
+          <a:ln w="127000">
+            <a:solidFill>
+              <a:srgbClr val="DB5A6B"/>
+            </a:solidFill>
+          </a:ln>
+        </p:spPr>
+        <p:style>
+          <a:lnRef idx="1">
+            <a:schemeClr val="accent1"/>
+          </a:lnRef>
+          <a:fillRef idx="0">
+            <a:schemeClr val="accent1"/>
+          </a:fillRef>
+          <a:effectRef idx="0">
+            <a:schemeClr val="accent1"/>
+          </a:effectRef>
+          <a:fontRef idx="minor">
+            <a:schemeClr val="tx1"/>
+          </a:fontRef>
+        </p:style>
+      </p:cxnSp>
+      <p:sp>
+        <p:nvSpPr>
+          <p:cNvPr id="8" name="TextBox 7">
+            <a:extLst>
+              <a:ext uri="{FF2B5EF4-FFF2-40B4-BE49-F238E27FC236}">
+                <a16:creationId xmlns:a16="http://schemas.microsoft.com/office/drawing/2014/main" id="{65830603-386F-438E-A449-7A6BE82C31D6}"/>
+              </a:ext>
+            </a:extLst>
+          </p:cNvPr>
+          <p:cNvSpPr txBox="1"/>
+          <p:nvPr/>
+        </p:nvSpPr>
+        <p:spPr>
+          <a:xfrm>
+            <a:off x="716334" y="2965001"/>
+            <a:ext cx="10256465" cy="2281349"/>
+          </a:xfrm>
+          <a:prstGeom prst="rect">
+            <a:avLst/>
+          </a:prstGeom>
+        </p:spPr>
+        <p:txBody>
+          <a:bodyPr vert="horz" lIns="91440" tIns="45720" rIns="91440" bIns="45720" rtlCol="0">
+            <a:normAutofit/>
+          </a:bodyPr>
+          <a:lstStyle/>
+          <a:p>
+            <a:pPr>
+              <a:lnSpc>
+                <a:spcPct val="90000"/>
+              </a:lnSpc>
+              <a:spcBef>
+                <a:spcPts val="1000"/>
+              </a:spcBef>
+            </a:pPr>
+            <a:r>
+              <a:rPr lang="en-PH" sz="2400" dirty="0" err="1"/>
+              <a:t>Xamarin.Forms</a:t>
+            </a:r>
+            <a:r>
+              <a:rPr lang="en-PH" sz="2400" dirty="0"/>
+              <a:t> user interfaces are rendered using the native controls of the target platform, allowing </a:t>
+            </a:r>
+            <a:r>
+              <a:rPr lang="en-PH" sz="2400" dirty="0" err="1"/>
+              <a:t>Xamarin.Forms</a:t>
+            </a:r>
+            <a:r>
+              <a:rPr lang="en-PH" sz="2400" dirty="0"/>
+              <a:t> applications to retain the appropriate look and feel for each platform. Custom Renderers let developers override this process to customize the appearance and behavior of </a:t>
+            </a:r>
+            <a:r>
+              <a:rPr lang="en-PH" sz="2400" dirty="0" err="1"/>
+              <a:t>Xamarin.Forms</a:t>
+            </a:r>
+            <a:r>
+              <a:rPr lang="en-PH" sz="2400" dirty="0"/>
+              <a:t> controls on each platform.</a:t>
+            </a:r>
+            <a:endParaRPr lang="en-US" sz="2400" kern="1200" dirty="0">
+              <a:latin typeface="+mn-lt"/>
+              <a:ea typeface="+mn-ea"/>
+              <a:cs typeface="+mn-cs"/>
+            </a:endParaRPr>
+          </a:p>
+        </p:txBody>
+      </p:sp>
+    </p:spTree>
+    <p:extLst>
+      <p:ext uri="{BB962C8B-B14F-4D97-AF65-F5344CB8AC3E}">
+        <p14:creationId xmlns:p14="http://schemas.microsoft.com/office/powerpoint/2010/main" val="2719484110"/>
+      </p:ext>
+    </p:extLst>
+  </p:cSld>
+  <p:clrMapOvr>
+    <a:masterClrMapping/>
+  </p:clrMapOvr>
+</p:sld>
+</file>
+
+<file path=ppt/slides/slide8.xml><?xml version="1.0" encoding="utf-8"?>
+<p:sld xmlns:a="http://schemas.openxmlformats.org/drawingml/2006/main" xmlns:r="http://schemas.openxmlformats.org/officeDocument/2006/relationships" xmlns:p="http://schemas.openxmlformats.org/presentationml/2006/main">
+  <p:cSld>
+    <p:bg>
+      <p:bgPr>
+        <a:solidFill>
+          <a:srgbClr val="F5A9B3"/>
+        </a:solidFill>
+        <a:effectLst/>
+      </p:bgPr>
+    </p:bg>
+    <p:spTree>
+      <p:nvGrpSpPr>
+        <p:cNvPr id="1" name=""/>
+        <p:cNvGrpSpPr/>
+        <p:nvPr/>
+      </p:nvGrpSpPr>
+      <p:grpSpPr>
+        <a:xfrm>
+          <a:off x="0" y="0"/>
+          <a:ext cx="0" cy="0"/>
+          <a:chOff x="0" y="0"/>
+          <a:chExt cx="0" cy="0"/>
+        </a:xfrm>
+      </p:grpSpPr>
+      <p:sp>
+        <p:nvSpPr>
+          <p:cNvPr id="5" name="Title 1">
+            <a:extLst>
+              <a:ext uri="{FF2B5EF4-FFF2-40B4-BE49-F238E27FC236}">
+                <a16:creationId xmlns:a16="http://schemas.microsoft.com/office/drawing/2014/main" id="{A96DB18F-5C9E-411F-8AC6-EAAAE0F43C77}"/>
+              </a:ext>
+            </a:extLst>
+          </p:cNvPr>
+          <p:cNvSpPr>
+            <a:spLocks noGrp="1"/>
+          </p:cNvSpPr>
+          <p:nvPr>
+            <p:ph type="title"/>
+          </p:nvPr>
+        </p:nvSpPr>
+        <p:spPr>
+          <a:xfrm>
+            <a:off x="738529" y="304353"/>
+            <a:ext cx="3207595" cy="2281355"/>
+          </a:xfrm>
+        </p:spPr>
+        <p:txBody>
+          <a:bodyPr/>
+          <a:lstStyle/>
+          <a:p>
+            <a:r>
+              <a:rPr lang="en-US" dirty="0">
+                <a:solidFill>
+                  <a:schemeClr val="tx1">
+                    <a:lumMod val="95000"/>
+                    <a:lumOff val="5000"/>
+                  </a:schemeClr>
+                </a:solidFill>
+                <a:effectLst>
+                  <a:outerShdw blurRad="38100" dist="38100" dir="2700000" algn="tl">
+                    <a:srgbClr val="000000">
+                      <a:alpha val="43137"/>
+                    </a:srgbClr>
+                  </a:outerShdw>
+                </a:effectLst>
+              </a:rPr>
+              <a:t>Forms UI </a:t>
+            </a:r>
+            <a:br>
+              <a:rPr lang="en-US" dirty="0">
+                <a:solidFill>
+                  <a:schemeClr val="tx1">
+                    <a:lumMod val="95000"/>
+                    <a:lumOff val="5000"/>
+                  </a:schemeClr>
+                </a:solidFill>
+                <a:effectLst>
+                  <a:outerShdw blurRad="38100" dist="38100" dir="2700000" algn="tl">
+                    <a:srgbClr val="000000">
+                      <a:alpha val="43137"/>
+                    </a:srgbClr>
+                  </a:outerShdw>
+                </a:effectLst>
+              </a:rPr>
+            </a:br>
+            <a:r>
+              <a:rPr lang="en-US" dirty="0">
+                <a:solidFill>
+                  <a:schemeClr val="tx1">
+                    <a:lumMod val="95000"/>
+                    <a:lumOff val="5000"/>
+                  </a:schemeClr>
+                </a:solidFill>
+                <a:effectLst>
+                  <a:outerShdw blurRad="38100" dist="38100" dir="2700000" algn="tl">
+                    <a:srgbClr val="000000">
+                      <a:alpha val="43137"/>
+                    </a:srgbClr>
+                  </a:outerShdw>
+                </a:effectLst>
+              </a:rPr>
+              <a:t>to Native</a:t>
+            </a:r>
+            <a:endParaRPr lang="ru-RU" dirty="0">
+              <a:solidFill>
+                <a:schemeClr val="tx1">
+                  <a:lumMod val="95000"/>
+                  <a:lumOff val="5000"/>
+                </a:schemeClr>
+              </a:solidFill>
+              <a:effectLst>
+                <a:outerShdw blurRad="38100" dist="38100" dir="2700000" algn="tl">
+                  <a:srgbClr val="000000">
+                    <a:alpha val="43137"/>
+                  </a:srgbClr>
+                </a:outerShdw>
+              </a:effectLst>
+            </a:endParaRPr>
+          </a:p>
+        </p:txBody>
+      </p:sp>
+      <p:cxnSp>
+        <p:nvCxnSpPr>
+          <p:cNvPr id="6" name="Straight Connector 5">
+            <a:extLst>
+              <a:ext uri="{FF2B5EF4-FFF2-40B4-BE49-F238E27FC236}">
+                <a16:creationId xmlns:a16="http://schemas.microsoft.com/office/drawing/2014/main" id="{B57C1065-1300-42D8-AC2A-E79E5619ABD0}"/>
+              </a:ext>
+            </a:extLst>
+          </p:cNvPr>
+          <p:cNvCxnSpPr>
+            <a:cxnSpLocks/>
+          </p:cNvCxnSpPr>
+          <p:nvPr/>
+        </p:nvCxnSpPr>
+        <p:spPr>
+          <a:xfrm>
+            <a:off x="0" y="2449968"/>
+            <a:ext cx="3773010" cy="0"/>
+          </a:xfrm>
+          <a:prstGeom prst="line">
+            <a:avLst/>
+          </a:prstGeom>
+          <a:ln w="127000">
+            <a:solidFill>
+              <a:srgbClr val="DB5A6B"/>
+            </a:solidFill>
+          </a:ln>
+        </p:spPr>
+        <p:style>
+          <a:lnRef idx="1">
+            <a:schemeClr val="accent1"/>
+          </a:lnRef>
+          <a:fillRef idx="0">
+            <a:schemeClr val="accent1"/>
+          </a:fillRef>
+          <a:effectRef idx="0">
+            <a:schemeClr val="accent1"/>
+          </a:effectRef>
+          <a:fontRef idx="minor">
+            <a:schemeClr val="tx1"/>
+          </a:fontRef>
+        </p:style>
+      </p:cxnSp>
+      <p:pic>
+        <p:nvPicPr>
+          <p:cNvPr id="3" name="Picture 2">
+            <a:extLst>
+              <a:ext uri="{FF2B5EF4-FFF2-40B4-BE49-F238E27FC236}">
+                <a16:creationId xmlns:a16="http://schemas.microsoft.com/office/drawing/2014/main" id="{CE893802-42D8-4C20-A0B5-2A88714B2421}"/>
+              </a:ext>
+            </a:extLst>
+          </p:cNvPr>
+          <p:cNvPicPr>
+            <a:picLocks noChangeAspect="1"/>
+          </p:cNvPicPr>
+          <p:nvPr/>
+        </p:nvPicPr>
+        <p:blipFill>
+          <a:blip r:embed="rId2"/>
+          <a:stretch>
+            <a:fillRect/>
+          </a:stretch>
+        </p:blipFill>
+        <p:spPr>
+          <a:xfrm>
+            <a:off x="4119239" y="206699"/>
+            <a:ext cx="7506724" cy="6444602"/>
+          </a:xfrm>
+          <a:prstGeom prst="rect">
+            <a:avLst/>
+          </a:prstGeom>
+        </p:spPr>
+      </p:pic>
+    </p:spTree>
+    <p:extLst>
+      <p:ext uri="{BB962C8B-B14F-4D97-AF65-F5344CB8AC3E}">
+        <p14:creationId xmlns:p14="http://schemas.microsoft.com/office/powerpoint/2010/main" val="4236032219"/>
+      </p:ext>
+    </p:extLst>
+  </p:cSld>
+  <p:clrMapOvr>
+    <a:masterClrMapping/>
+  </p:clrMapOvr>
+</p:sld>
+</file>
+
+<file path=ppt/slides/slide9.xml><?xml version="1.0" encoding="utf-8"?>
+<p:sld xmlns:a="http://schemas.openxmlformats.org/drawingml/2006/main" xmlns:r="http://schemas.openxmlformats.org/officeDocument/2006/relationships" xmlns:p="http://schemas.openxmlformats.org/presentationml/2006/main">
+  <p:cSld>
+    <p:bg>
+      <p:bgPr>
+        <a:solidFill>
+          <a:srgbClr val="F5A9B3"/>
+        </a:solidFill>
+        <a:effectLst/>
+      </p:bgPr>
+    </p:bg>
+    <p:spTree>
+      <p:nvGrpSpPr>
+        <p:cNvPr id="1" name=""/>
+        <p:cNvGrpSpPr/>
+        <p:nvPr/>
+      </p:nvGrpSpPr>
+      <p:grpSpPr>
+        <a:xfrm>
+          <a:off x="0" y="0"/>
+          <a:ext cx="0" cy="0"/>
+          <a:chOff x="0" y="0"/>
+          <a:chExt cx="0" cy="0"/>
+        </a:xfrm>
+      </p:grpSpPr>
+      <p:sp>
+        <p:nvSpPr>
+          <p:cNvPr id="5" name="Title 1">
+            <a:extLst>
+              <a:ext uri="{FF2B5EF4-FFF2-40B4-BE49-F238E27FC236}">
+                <a16:creationId xmlns:a16="http://schemas.microsoft.com/office/drawing/2014/main" id="{A96DB18F-5C9E-411F-8AC6-EAAAE0F43C77}"/>
+              </a:ext>
+            </a:extLst>
+          </p:cNvPr>
+          <p:cNvSpPr>
+            <a:spLocks noGrp="1"/>
+          </p:cNvSpPr>
+          <p:nvPr>
+            <p:ph type="title"/>
+          </p:nvPr>
+        </p:nvSpPr>
+        <p:spPr>
+          <a:xfrm>
+            <a:off x="716334" y="545928"/>
+            <a:ext cx="6607743" cy="2281355"/>
+          </a:xfrm>
+        </p:spPr>
+        <p:txBody>
+          <a:bodyPr/>
+          <a:lstStyle/>
+          <a:p>
+            <a:r>
+              <a:rPr lang="en-US" dirty="0">
+                <a:solidFill>
+                  <a:schemeClr val="tx1">
+                    <a:lumMod val="95000"/>
+                    <a:lumOff val="5000"/>
+                  </a:schemeClr>
+                </a:solidFill>
+                <a:effectLst>
+                  <a:outerShdw blurRad="38100" dist="38100" dir="2700000" algn="tl">
+                    <a:srgbClr val="000000">
+                      <a:alpha val="43137"/>
+                    </a:srgbClr>
+                  </a:outerShdw>
+                </a:effectLst>
+              </a:rPr>
+              <a:t>Tools for Designing UI</a:t>
+            </a:r>
+            <a:endParaRPr lang="ru-RU" dirty="0">
+              <a:solidFill>
+                <a:schemeClr val="tx1">
+                  <a:lumMod val="95000"/>
+                  <a:lumOff val="5000"/>
+                </a:schemeClr>
+              </a:solidFill>
+              <a:effectLst>
+                <a:outerShdw blurRad="38100" dist="38100" dir="2700000" algn="tl">
+                  <a:srgbClr val="000000">
+                    <a:alpha val="43137"/>
+                  </a:srgbClr>
+                </a:outerShdw>
+              </a:effectLst>
+            </a:endParaRPr>
+          </a:p>
+        </p:txBody>
+      </p:sp>
+      <p:cxnSp>
+        <p:nvCxnSpPr>
+          <p:cNvPr id="6" name="Straight Connector 5">
+            <a:extLst>
+              <a:ext uri="{FF2B5EF4-FFF2-40B4-BE49-F238E27FC236}">
+                <a16:creationId xmlns:a16="http://schemas.microsoft.com/office/drawing/2014/main" id="{B57C1065-1300-42D8-AC2A-E79E5619ABD0}"/>
+              </a:ext>
+            </a:extLst>
+          </p:cNvPr>
+          <p:cNvCxnSpPr/>
+          <p:nvPr/>
+        </p:nvCxnSpPr>
+        <p:spPr>
+          <a:xfrm>
+            <a:off x="0" y="2449968"/>
+            <a:ext cx="4705165" cy="0"/>
+          </a:xfrm>
+          <a:prstGeom prst="line">
+            <a:avLst/>
+          </a:prstGeom>
+          <a:ln w="127000">
+            <a:solidFill>
+              <a:srgbClr val="DB5A6B"/>
+            </a:solidFill>
+          </a:ln>
+        </p:spPr>
+        <p:style>
+          <a:lnRef idx="1">
+            <a:schemeClr val="accent1"/>
+          </a:lnRef>
+          <a:fillRef idx="0">
+            <a:schemeClr val="accent1"/>
+          </a:fillRef>
+          <a:effectRef idx="0">
+            <a:schemeClr val="accent1"/>
+          </a:effectRef>
+          <a:fontRef idx="minor">
+            <a:schemeClr val="tx1"/>
+          </a:fontRef>
+        </p:style>
+      </p:cxnSp>
+      <p:pic>
+        <p:nvPicPr>
+          <p:cNvPr id="3" name="Picture 2" descr="A picture containing clipart&#10;&#10;Description automatically generated">
+            <a:extLst>
+              <a:ext uri="{FF2B5EF4-FFF2-40B4-BE49-F238E27FC236}">
+                <a16:creationId xmlns:a16="http://schemas.microsoft.com/office/drawing/2014/main" id="{DEB93F2A-185B-4BAE-BF19-0864EC2C5758}"/>
+              </a:ext>
+            </a:extLst>
+          </p:cNvPr>
+          <p:cNvPicPr>
+            <a:picLocks noChangeAspect="1"/>
+          </p:cNvPicPr>
+          <p:nvPr/>
+        </p:nvPicPr>
+        <p:blipFill>
+          <a:blip r:embed="rId2">
+            <a:extLst>
+              <a:ext uri="{28A0092B-C50C-407E-A947-70E740481C1C}">
+                <a14:useLocalDpi xmlns:a14="http://schemas.microsoft.com/office/drawing/2010/main" val="0"/>
+              </a:ext>
+            </a:extLst>
+          </a:blip>
+          <a:stretch>
+            <a:fillRect/>
+          </a:stretch>
+        </p:blipFill>
+        <p:spPr>
+          <a:xfrm>
+            <a:off x="1020608" y="2959155"/>
+            <a:ext cx="2143125" cy="2143125"/>
+          </a:xfrm>
+          <a:prstGeom prst="rect">
+            <a:avLst/>
+          </a:prstGeom>
+        </p:spPr>
+      </p:pic>
+      <p:pic>
+        <p:nvPicPr>
+          <p:cNvPr id="9" name="Picture 8">
+            <a:extLst>
+              <a:ext uri="{FF2B5EF4-FFF2-40B4-BE49-F238E27FC236}">
+                <a16:creationId xmlns:a16="http://schemas.microsoft.com/office/drawing/2014/main" id="{E2EE5317-2FBF-47CB-9703-DEE5019170C9}"/>
+              </a:ext>
+            </a:extLst>
+          </p:cNvPr>
+          <p:cNvPicPr>
+            <a:picLocks noChangeAspect="1"/>
+          </p:cNvPicPr>
+          <p:nvPr/>
+        </p:nvPicPr>
+        <p:blipFill>
+          <a:blip r:embed="rId3"/>
+          <a:stretch>
+            <a:fillRect/>
+          </a:stretch>
+        </p:blipFill>
+        <p:spPr>
+          <a:xfrm>
+            <a:off x="3691406" y="2827283"/>
+            <a:ext cx="4542857" cy="1895238"/>
+          </a:xfrm>
+          <a:prstGeom prst="rect">
+            <a:avLst/>
+          </a:prstGeom>
+        </p:spPr>
+      </p:pic>
+      <p:pic>
+        <p:nvPicPr>
+          <p:cNvPr id="11" name="Picture 10" descr="A close up of a sign&#10;&#10;Description automatically generated">
+            <a:extLst>
+              <a:ext uri="{FF2B5EF4-FFF2-40B4-BE49-F238E27FC236}">
+                <a16:creationId xmlns:a16="http://schemas.microsoft.com/office/drawing/2014/main" id="{5AE49589-394D-4916-927E-00E0268A256F}"/>
+              </a:ext>
+            </a:extLst>
+          </p:cNvPr>
+          <p:cNvPicPr>
+            <a:picLocks noChangeAspect="1"/>
+          </p:cNvPicPr>
+          <p:nvPr/>
+        </p:nvPicPr>
+        <p:blipFill>
+          <a:blip r:embed="rId4">
+            <a:extLst>
+              <a:ext uri="{28A0092B-C50C-407E-A947-70E740481C1C}">
+                <a14:useLocalDpi xmlns:a14="http://schemas.microsoft.com/office/drawing/2010/main" val="0"/>
+              </a:ext>
+            </a:extLst>
+          </a:blip>
+          <a:stretch>
+            <a:fillRect/>
+          </a:stretch>
+        </p:blipFill>
+        <p:spPr>
+          <a:xfrm>
+            <a:off x="3691406" y="5099835"/>
+            <a:ext cx="3992888" cy="850394"/>
+          </a:xfrm>
+          <a:prstGeom prst="rect">
+            <a:avLst/>
+          </a:prstGeom>
+        </p:spPr>
+      </p:pic>
+      <p:pic>
+        <p:nvPicPr>
+          <p:cNvPr id="13" name="Picture 12" descr="A close up of a logo&#10;&#10;Description automatically generated">
+            <a:extLst>
+              <a:ext uri="{FF2B5EF4-FFF2-40B4-BE49-F238E27FC236}">
+                <a16:creationId xmlns:a16="http://schemas.microsoft.com/office/drawing/2014/main" id="{D39AD25F-15F4-4755-A7D4-98C226B06569}"/>
+              </a:ext>
+            </a:extLst>
+          </p:cNvPr>
+          <p:cNvPicPr>
+            <a:picLocks noChangeAspect="1"/>
+          </p:cNvPicPr>
+          <p:nvPr/>
+        </p:nvPicPr>
+        <p:blipFill>
+          <a:blip r:embed="rId5">
+            <a:extLst>
+              <a:ext uri="{28A0092B-C50C-407E-A947-70E740481C1C}">
+                <a14:useLocalDpi xmlns:a14="http://schemas.microsoft.com/office/drawing/2010/main" val="0"/>
+              </a:ext>
+            </a:extLst>
+          </a:blip>
+          <a:stretch>
+            <a:fillRect/>
+          </a:stretch>
+        </p:blipFill>
+        <p:spPr>
+          <a:xfrm>
+            <a:off x="8895587" y="3070986"/>
+            <a:ext cx="2275805" cy="2275805"/>
+          </a:xfrm>
+          <a:prstGeom prst="rect">
+            <a:avLst/>
+          </a:prstGeom>
+        </p:spPr>
+      </p:pic>
+    </p:spTree>
+    <p:extLst>
+      <p:ext uri="{BB962C8B-B14F-4D97-AF65-F5344CB8AC3E}">
+        <p14:creationId xmlns:p14="http://schemas.microsoft.com/office/powerpoint/2010/main" val="2353457561"/>
       </p:ext>
     </p:extLst>
   </p:cSld>

--- a/PPT/WorkShop/REST Service.pptx
+++ b/PPT/WorkShop/REST Service.pptx
@@ -9,13 +9,17 @@
     <p:sldId id="258" r:id="rId3"/>
     <p:sldId id="265" r:id="rId4"/>
     <p:sldId id="266" r:id="rId5"/>
-    <p:sldId id="259" r:id="rId6"/>
-    <p:sldId id="260" r:id="rId7"/>
-    <p:sldId id="261" r:id="rId8"/>
-    <p:sldId id="262" r:id="rId9"/>
-    <p:sldId id="263" r:id="rId10"/>
-    <p:sldId id="264" r:id="rId11"/>
-    <p:sldId id="256" r:id="rId12"/>
+    <p:sldId id="267" r:id="rId6"/>
+    <p:sldId id="268" r:id="rId7"/>
+    <p:sldId id="269" r:id="rId8"/>
+    <p:sldId id="270" r:id="rId9"/>
+    <p:sldId id="271" r:id="rId10"/>
+    <p:sldId id="272" r:id="rId11"/>
+    <p:sldId id="273" r:id="rId12"/>
+    <p:sldId id="274" r:id="rId13"/>
+    <p:sldId id="275" r:id="rId14"/>
+    <p:sldId id="264" r:id="rId15"/>
+    <p:sldId id="256" r:id="rId16"/>
   </p:sldIdLst>
   <p:sldSz cx="12192000" cy="6858000"/>
   <p:notesSz cx="6858000" cy="9144000"/>
@@ -3464,7 +3468,7 @@
         </p:nvSpPr>
         <p:spPr>
           <a:xfrm>
-            <a:off x="716335" y="3172777"/>
+            <a:off x="343473" y="4731323"/>
             <a:ext cx="7347149" cy="830997"/>
           </a:xfrm>
           <a:prstGeom prst="rect">
@@ -3614,14 +3618,858 @@
         </p:nvSpPr>
         <p:spPr>
           <a:xfrm>
-            <a:off x="4480467" y="2614426"/>
-            <a:ext cx="5986306" cy="2281355"/>
+            <a:off x="583165" y="545928"/>
+            <a:ext cx="6341413" cy="998787"/>
           </a:xfrm>
         </p:spPr>
         <p:txBody>
           <a:bodyPr/>
           <a:lstStyle/>
           <a:p>
+            <a:r>
+              <a:rPr lang="en-PH" dirty="0" err="1">
+                <a:solidFill>
+                  <a:schemeClr val="tx1">
+                    <a:lumMod val="95000"/>
+                    <a:lumOff val="5000"/>
+                  </a:schemeClr>
+                </a:solidFill>
+                <a:effectLst>
+                  <a:outerShdw blurRad="38100" dist="38100" dir="2700000" algn="tl">
+                    <a:srgbClr val="000000">
+                      <a:alpha val="43137"/>
+                    </a:srgbClr>
+                  </a:outerShdw>
+                </a:effectLst>
+              </a:rPr>
+              <a:t>PokeAPI</a:t>
+            </a:r>
+            <a:endParaRPr lang="ru-RU" dirty="0">
+              <a:solidFill>
+                <a:schemeClr val="tx1">
+                  <a:lumMod val="95000"/>
+                  <a:lumOff val="5000"/>
+                </a:schemeClr>
+              </a:solidFill>
+              <a:effectLst>
+                <a:outerShdw blurRad="38100" dist="38100" dir="2700000" algn="tl">
+                  <a:srgbClr val="000000">
+                    <a:alpha val="43137"/>
+                  </a:srgbClr>
+                </a:outerShdw>
+              </a:effectLst>
+            </a:endParaRPr>
+          </a:p>
+        </p:txBody>
+      </p:sp>
+      <p:pic>
+        <p:nvPicPr>
+          <p:cNvPr id="4" name="Picture 3" descr="A screenshot of a cell phone&#10;&#10;Description automatically generated">
+            <a:extLst>
+              <a:ext uri="{FF2B5EF4-FFF2-40B4-BE49-F238E27FC236}">
+                <a16:creationId xmlns:a16="http://schemas.microsoft.com/office/drawing/2014/main" id="{2C96C13F-1732-43E8-8361-7F17994321A0}"/>
+              </a:ext>
+            </a:extLst>
+          </p:cNvPr>
+          <p:cNvPicPr>
+            <a:picLocks noChangeAspect="1"/>
+          </p:cNvPicPr>
+          <p:nvPr/>
+        </p:nvPicPr>
+        <p:blipFill>
+          <a:blip r:embed="rId2">
+            <a:extLst>
+              <a:ext uri="{28A0092B-C50C-407E-A947-70E740481C1C}">
+                <a14:useLocalDpi xmlns:a14="http://schemas.microsoft.com/office/drawing/2010/main" val="0"/>
+              </a:ext>
+            </a:extLst>
+          </a:blip>
+          <a:stretch>
+            <a:fillRect/>
+          </a:stretch>
+        </p:blipFill>
+        <p:spPr>
+          <a:xfrm>
+            <a:off x="1084555" y="1417290"/>
+            <a:ext cx="10022889" cy="5202172"/>
+          </a:xfrm>
+          <a:prstGeom prst="rect">
+            <a:avLst/>
+          </a:prstGeom>
+        </p:spPr>
+      </p:pic>
+    </p:spTree>
+    <p:extLst>
+      <p:ext uri="{BB962C8B-B14F-4D97-AF65-F5344CB8AC3E}">
+        <p14:creationId xmlns:p14="http://schemas.microsoft.com/office/powerpoint/2010/main" val="1791958683"/>
+      </p:ext>
+    </p:extLst>
+  </p:cSld>
+  <p:clrMapOvr>
+    <a:masterClrMapping/>
+  </p:clrMapOvr>
+</p:sld>
+</file>
+
+<file path=ppt/slides/slide11.xml><?xml version="1.0" encoding="utf-8"?>
+<p:sld xmlns:a="http://schemas.openxmlformats.org/drawingml/2006/main" xmlns:r="http://schemas.openxmlformats.org/officeDocument/2006/relationships" xmlns:p="http://schemas.openxmlformats.org/presentationml/2006/main">
+  <p:cSld>
+    <p:bg>
+      <p:bgPr>
+        <a:solidFill>
+          <a:srgbClr val="F5A9B3"/>
+        </a:solidFill>
+        <a:effectLst/>
+      </p:bgPr>
+    </p:bg>
+    <p:spTree>
+      <p:nvGrpSpPr>
+        <p:cNvPr id="1" name=""/>
+        <p:cNvGrpSpPr/>
+        <p:nvPr/>
+      </p:nvGrpSpPr>
+      <p:grpSpPr>
+        <a:xfrm>
+          <a:off x="0" y="0"/>
+          <a:ext cx="0" cy="0"/>
+          <a:chOff x="0" y="0"/>
+          <a:chExt cx="0" cy="0"/>
+        </a:xfrm>
+      </p:grpSpPr>
+      <p:sp>
+        <p:nvSpPr>
+          <p:cNvPr id="5" name="Title 1">
+            <a:extLst>
+              <a:ext uri="{FF2B5EF4-FFF2-40B4-BE49-F238E27FC236}">
+                <a16:creationId xmlns:a16="http://schemas.microsoft.com/office/drawing/2014/main" id="{A96DB18F-5C9E-411F-8AC6-EAAAE0F43C77}"/>
+              </a:ext>
+            </a:extLst>
+          </p:cNvPr>
+          <p:cNvSpPr>
+            <a:spLocks noGrp="1"/>
+          </p:cNvSpPr>
+          <p:nvPr>
+            <p:ph type="title"/>
+          </p:nvPr>
+        </p:nvSpPr>
+        <p:spPr>
+          <a:xfrm>
+            <a:off x="716335" y="545928"/>
+            <a:ext cx="6474578" cy="2281355"/>
+          </a:xfrm>
+        </p:spPr>
+        <p:txBody>
+          <a:bodyPr/>
+          <a:lstStyle/>
+          <a:p>
+            <a:r>
+              <a:rPr lang="en-US" dirty="0" err="1">
+                <a:solidFill>
+                  <a:schemeClr val="tx1">
+                    <a:lumMod val="95000"/>
+                    <a:lumOff val="5000"/>
+                  </a:schemeClr>
+                </a:solidFill>
+                <a:effectLst>
+                  <a:outerShdw blurRad="38100" dist="38100" dir="2700000" algn="tl">
+                    <a:srgbClr val="000000">
+                      <a:alpha val="43137"/>
+                    </a:srgbClr>
+                  </a:outerShdw>
+                </a:effectLst>
+              </a:rPr>
+              <a:t>Pokemon.cs</a:t>
+            </a:r>
+            <a:endParaRPr lang="ru-RU" dirty="0">
+              <a:solidFill>
+                <a:schemeClr val="tx1">
+                  <a:lumMod val="95000"/>
+                  <a:lumOff val="5000"/>
+                </a:schemeClr>
+              </a:solidFill>
+              <a:effectLst>
+                <a:outerShdw blurRad="38100" dist="38100" dir="2700000" algn="tl">
+                  <a:srgbClr val="000000">
+                    <a:alpha val="43137"/>
+                  </a:srgbClr>
+                </a:outerShdw>
+              </a:effectLst>
+            </a:endParaRPr>
+          </a:p>
+        </p:txBody>
+      </p:sp>
+      <p:cxnSp>
+        <p:nvCxnSpPr>
+          <p:cNvPr id="6" name="Straight Connector 5">
+            <a:extLst>
+              <a:ext uri="{FF2B5EF4-FFF2-40B4-BE49-F238E27FC236}">
+                <a16:creationId xmlns:a16="http://schemas.microsoft.com/office/drawing/2014/main" id="{B57C1065-1300-42D8-AC2A-E79E5619ABD0}"/>
+              </a:ext>
+            </a:extLst>
+          </p:cNvPr>
+          <p:cNvCxnSpPr/>
+          <p:nvPr/>
+        </p:nvCxnSpPr>
+        <p:spPr>
+          <a:xfrm>
+            <a:off x="0" y="2449968"/>
+            <a:ext cx="4705165" cy="0"/>
+          </a:xfrm>
+          <a:prstGeom prst="line">
+            <a:avLst/>
+          </a:prstGeom>
+          <a:ln w="127000">
+            <a:solidFill>
+              <a:srgbClr val="DB5A6B"/>
+            </a:solidFill>
+          </a:ln>
+        </p:spPr>
+        <p:style>
+          <a:lnRef idx="1">
+            <a:schemeClr val="accent1"/>
+          </a:lnRef>
+          <a:fillRef idx="0">
+            <a:schemeClr val="accent1"/>
+          </a:fillRef>
+          <a:effectRef idx="0">
+            <a:schemeClr val="accent1"/>
+          </a:effectRef>
+          <a:fontRef idx="minor">
+            <a:schemeClr val="tx1"/>
+          </a:fontRef>
+        </p:style>
+      </p:cxnSp>
+      <p:sp>
+        <p:nvSpPr>
+          <p:cNvPr id="7" name="TextBox 6">
+            <a:hlinkClick r:id="rId2"/>
+            <a:extLst>
+              <a:ext uri="{FF2B5EF4-FFF2-40B4-BE49-F238E27FC236}">
+                <a16:creationId xmlns:a16="http://schemas.microsoft.com/office/drawing/2014/main" id="{6F5B83B7-A5A3-4EF9-ADB9-A688A58C251C}"/>
+              </a:ext>
+            </a:extLst>
+          </p:cNvPr>
+          <p:cNvSpPr txBox="1"/>
+          <p:nvPr/>
+        </p:nvSpPr>
+        <p:spPr>
+          <a:xfrm>
+            <a:off x="716335" y="2699002"/>
+            <a:ext cx="10451774" cy="3046988"/>
+          </a:xfrm>
+          <a:prstGeom prst="rect">
+            <a:avLst/>
+          </a:prstGeom>
+          <a:noFill/>
+        </p:spPr>
+        <p:txBody>
+          <a:bodyPr wrap="square" rtlCol="0">
+            <a:spAutoFit/>
+          </a:bodyPr>
+          <a:lstStyle/>
+          <a:p>
+            <a:pPr marL="342900" indent="-342900">
+              <a:buFont typeface="Arial" panose="020B0604020202020204" pitchFamily="34" charset="0"/>
+              <a:buChar char="•"/>
+            </a:pPr>
+            <a:r>
+              <a:rPr lang="en-US" sz="2400" dirty="0"/>
+              <a:t>Navigate to </a:t>
+            </a:r>
+            <a:r>
+              <a:rPr lang="en-PH" sz="2400" dirty="0">
+                <a:hlinkClick r:id="rId3"/>
+              </a:rPr>
+              <a:t>https://pokeapi.co/</a:t>
+            </a:r>
+            <a:r>
+              <a:rPr lang="en-PH" sz="2400" dirty="0"/>
+              <a:t>.</a:t>
+            </a:r>
+          </a:p>
+          <a:p>
+            <a:pPr marL="342900" indent="-342900">
+              <a:buFont typeface="Arial" panose="020B0604020202020204" pitchFamily="34" charset="0"/>
+              <a:buChar char="•"/>
+            </a:pPr>
+            <a:r>
+              <a:rPr lang="en-US" sz="2400" dirty="0"/>
+              <a:t>From there, you will see a sample JSON result.</a:t>
+            </a:r>
+          </a:p>
+          <a:p>
+            <a:pPr marL="342900" indent="-342900">
+              <a:buFont typeface="Arial" panose="020B0604020202020204" pitchFamily="34" charset="0"/>
+              <a:buChar char="•"/>
+            </a:pPr>
+            <a:r>
+              <a:rPr lang="en-US" sz="2400" dirty="0"/>
+              <a:t>Copy the whole JSON result.</a:t>
+            </a:r>
+          </a:p>
+          <a:p>
+            <a:pPr marL="342900" indent="-342900">
+              <a:buFont typeface="Arial" panose="020B0604020202020204" pitchFamily="34" charset="0"/>
+              <a:buChar char="•"/>
+            </a:pPr>
+            <a:r>
+              <a:rPr lang="en-US" sz="2400" dirty="0"/>
+              <a:t>Navigate to </a:t>
+            </a:r>
+            <a:r>
+              <a:rPr lang="en-PH" sz="2400" dirty="0">
+                <a:hlinkClick r:id="rId4"/>
+              </a:rPr>
+              <a:t>http://json2csharp.com/</a:t>
+            </a:r>
+            <a:r>
+              <a:rPr lang="en-PH" sz="2400" dirty="0"/>
+              <a:t> to convert the JSON into C# classes to be used as our Model.</a:t>
+            </a:r>
+          </a:p>
+          <a:p>
+            <a:pPr marL="342900" indent="-342900">
+              <a:buFont typeface="Arial" panose="020B0604020202020204" pitchFamily="34" charset="0"/>
+              <a:buChar char="•"/>
+            </a:pPr>
+            <a:r>
+              <a:rPr lang="en-US" sz="2400" dirty="0"/>
+              <a:t>Create a class in the shared project and name it as </a:t>
+            </a:r>
+            <a:r>
+              <a:rPr lang="en-US" sz="2400" i="1" dirty="0" err="1"/>
+              <a:t>Pokemon.cs</a:t>
+            </a:r>
+            <a:r>
+              <a:rPr lang="en-US" sz="2400" dirty="0"/>
+              <a:t>.</a:t>
+            </a:r>
+          </a:p>
+          <a:p>
+            <a:pPr marL="342900" indent="-342900">
+              <a:buFont typeface="Arial" panose="020B0604020202020204" pitchFamily="34" charset="0"/>
+              <a:buChar char="•"/>
+            </a:pPr>
+            <a:r>
+              <a:rPr lang="en-US" sz="2400" dirty="0"/>
+              <a:t>Copy the generated class from website to this newly added class.</a:t>
+            </a:r>
+          </a:p>
+          <a:p>
+            <a:pPr marL="342900" indent="-342900">
+              <a:buFont typeface="Arial" panose="020B0604020202020204" pitchFamily="34" charset="0"/>
+              <a:buChar char="•"/>
+            </a:pPr>
+            <a:r>
+              <a:rPr lang="en-US" sz="2400" dirty="0"/>
+              <a:t>In the file, look for </a:t>
+            </a:r>
+            <a:r>
+              <a:rPr lang="en-US" sz="2400" i="1" dirty="0" err="1"/>
+              <a:t>RootObject</a:t>
+            </a:r>
+            <a:r>
+              <a:rPr lang="en-US" sz="2400" dirty="0"/>
+              <a:t> class and rename it with </a:t>
+            </a:r>
+            <a:r>
+              <a:rPr lang="en-US" sz="2400" i="1" dirty="0" err="1"/>
+              <a:t>Pokemon</a:t>
+            </a:r>
+            <a:endParaRPr lang="en-US" sz="2400" dirty="0"/>
+          </a:p>
+        </p:txBody>
+      </p:sp>
+    </p:spTree>
+    <p:extLst>
+      <p:ext uri="{BB962C8B-B14F-4D97-AF65-F5344CB8AC3E}">
+        <p14:creationId xmlns:p14="http://schemas.microsoft.com/office/powerpoint/2010/main" val="1063808150"/>
+      </p:ext>
+    </p:extLst>
+  </p:cSld>
+  <p:clrMapOvr>
+    <a:masterClrMapping/>
+  </p:clrMapOvr>
+</p:sld>
+</file>
+
+<file path=ppt/slides/slide12.xml><?xml version="1.0" encoding="utf-8"?>
+<p:sld xmlns:a="http://schemas.openxmlformats.org/drawingml/2006/main" xmlns:r="http://schemas.openxmlformats.org/officeDocument/2006/relationships" xmlns:p="http://schemas.openxmlformats.org/presentationml/2006/main">
+  <p:cSld>
+    <p:bg>
+      <p:bgPr>
+        <a:solidFill>
+          <a:srgbClr val="F5A9B3"/>
+        </a:solidFill>
+        <a:effectLst/>
+      </p:bgPr>
+    </p:bg>
+    <p:spTree>
+      <p:nvGrpSpPr>
+        <p:cNvPr id="1" name=""/>
+        <p:cNvGrpSpPr/>
+        <p:nvPr/>
+      </p:nvGrpSpPr>
+      <p:grpSpPr>
+        <a:xfrm>
+          <a:off x="0" y="0"/>
+          <a:ext cx="0" cy="0"/>
+          <a:chOff x="0" y="0"/>
+          <a:chExt cx="0" cy="0"/>
+        </a:xfrm>
+      </p:grpSpPr>
+      <p:sp>
+        <p:nvSpPr>
+          <p:cNvPr id="5" name="Title 1">
+            <a:extLst>
+              <a:ext uri="{FF2B5EF4-FFF2-40B4-BE49-F238E27FC236}">
+                <a16:creationId xmlns:a16="http://schemas.microsoft.com/office/drawing/2014/main" id="{A96DB18F-5C9E-411F-8AC6-EAAAE0F43C77}"/>
+              </a:ext>
+            </a:extLst>
+          </p:cNvPr>
+          <p:cNvSpPr>
+            <a:spLocks noGrp="1"/>
+          </p:cNvSpPr>
+          <p:nvPr>
+            <p:ph type="title"/>
+          </p:nvPr>
+        </p:nvSpPr>
+        <p:spPr>
+          <a:xfrm>
+            <a:off x="716335" y="545928"/>
+            <a:ext cx="6474578" cy="2281355"/>
+          </a:xfrm>
+        </p:spPr>
+        <p:txBody>
+          <a:bodyPr/>
+          <a:lstStyle/>
+          <a:p>
+            <a:r>
+              <a:rPr lang="en-US" dirty="0" err="1">
+                <a:solidFill>
+                  <a:schemeClr val="tx1">
+                    <a:lumMod val="95000"/>
+                    <a:lumOff val="5000"/>
+                  </a:schemeClr>
+                </a:solidFill>
+                <a:effectLst>
+                  <a:outerShdw blurRad="38100" dist="38100" dir="2700000" algn="tl">
+                    <a:srgbClr val="000000">
+                      <a:alpha val="43137"/>
+                    </a:srgbClr>
+                  </a:outerShdw>
+                </a:effectLst>
+              </a:rPr>
+              <a:t>Pokemon.cs</a:t>
+            </a:r>
+            <a:endParaRPr lang="ru-RU" dirty="0">
+              <a:solidFill>
+                <a:schemeClr val="tx1">
+                  <a:lumMod val="95000"/>
+                  <a:lumOff val="5000"/>
+                </a:schemeClr>
+              </a:solidFill>
+              <a:effectLst>
+                <a:outerShdw blurRad="38100" dist="38100" dir="2700000" algn="tl">
+                  <a:srgbClr val="000000">
+                    <a:alpha val="43137"/>
+                  </a:srgbClr>
+                </a:outerShdw>
+              </a:effectLst>
+            </a:endParaRPr>
+          </a:p>
+        </p:txBody>
+      </p:sp>
+      <p:cxnSp>
+        <p:nvCxnSpPr>
+          <p:cNvPr id="6" name="Straight Connector 5">
+            <a:extLst>
+              <a:ext uri="{FF2B5EF4-FFF2-40B4-BE49-F238E27FC236}">
+                <a16:creationId xmlns:a16="http://schemas.microsoft.com/office/drawing/2014/main" id="{B57C1065-1300-42D8-AC2A-E79E5619ABD0}"/>
+              </a:ext>
+            </a:extLst>
+          </p:cNvPr>
+          <p:cNvCxnSpPr/>
+          <p:nvPr/>
+        </p:nvCxnSpPr>
+        <p:spPr>
+          <a:xfrm>
+            <a:off x="0" y="2449968"/>
+            <a:ext cx="4705165" cy="0"/>
+          </a:xfrm>
+          <a:prstGeom prst="line">
+            <a:avLst/>
+          </a:prstGeom>
+          <a:ln w="127000">
+            <a:solidFill>
+              <a:srgbClr val="DB5A6B"/>
+            </a:solidFill>
+          </a:ln>
+        </p:spPr>
+        <p:style>
+          <a:lnRef idx="1">
+            <a:schemeClr val="accent1"/>
+          </a:lnRef>
+          <a:fillRef idx="0">
+            <a:schemeClr val="accent1"/>
+          </a:fillRef>
+          <a:effectRef idx="0">
+            <a:schemeClr val="accent1"/>
+          </a:effectRef>
+          <a:fontRef idx="minor">
+            <a:schemeClr val="tx1"/>
+          </a:fontRef>
+        </p:style>
+      </p:cxnSp>
+      <p:pic>
+        <p:nvPicPr>
+          <p:cNvPr id="3" name="Picture 2" descr="A screen shot of a computer&#10;&#10;Description automatically generated">
+            <a:extLst>
+              <a:ext uri="{FF2B5EF4-FFF2-40B4-BE49-F238E27FC236}">
+                <a16:creationId xmlns:a16="http://schemas.microsoft.com/office/drawing/2014/main" id="{ECACAB6D-DCD5-4668-9536-72003CC7546A}"/>
+              </a:ext>
+            </a:extLst>
+          </p:cNvPr>
+          <p:cNvPicPr>
+            <a:picLocks noChangeAspect="1"/>
+          </p:cNvPicPr>
+          <p:nvPr/>
+        </p:nvPicPr>
+        <p:blipFill>
+          <a:blip r:embed="rId2">
+            <a:extLst>
+              <a:ext uri="{28A0092B-C50C-407E-A947-70E740481C1C}">
+                <a14:useLocalDpi xmlns:a14="http://schemas.microsoft.com/office/drawing/2010/main" val="0"/>
+              </a:ext>
+            </a:extLst>
+          </a:blip>
+          <a:stretch>
+            <a:fillRect/>
+          </a:stretch>
+        </p:blipFill>
+        <p:spPr>
+          <a:xfrm>
+            <a:off x="6658253" y="248388"/>
+            <a:ext cx="5058800" cy="6361223"/>
+          </a:xfrm>
+          <a:prstGeom prst="rect">
+            <a:avLst/>
+          </a:prstGeom>
+        </p:spPr>
+      </p:pic>
+      <p:sp>
+        <p:nvSpPr>
+          <p:cNvPr id="4" name="TextBox 3">
+            <a:extLst>
+              <a:ext uri="{FF2B5EF4-FFF2-40B4-BE49-F238E27FC236}">
+                <a16:creationId xmlns:a16="http://schemas.microsoft.com/office/drawing/2014/main" id="{B0C2C422-FD04-4D15-85FA-40E23D8AE97B}"/>
+              </a:ext>
+            </a:extLst>
+          </p:cNvPr>
+          <p:cNvSpPr txBox="1"/>
+          <p:nvPr/>
+        </p:nvSpPr>
+        <p:spPr>
+          <a:xfrm>
+            <a:off x="337351" y="3568823"/>
+            <a:ext cx="5894773" cy="369332"/>
+          </a:xfrm>
+          <a:prstGeom prst="rect">
+            <a:avLst/>
+          </a:prstGeom>
+          <a:noFill/>
+        </p:spPr>
+        <p:txBody>
+          <a:bodyPr wrap="square" rtlCol="0">
+            <a:spAutoFit/>
+          </a:bodyPr>
+          <a:lstStyle/>
+          <a:p>
+            <a:r>
+              <a:rPr lang="en-PH" dirty="0"/>
+              <a:t>The image at the right shows part of the generated C# classes</a:t>
+            </a:r>
+          </a:p>
+        </p:txBody>
+      </p:sp>
+    </p:spTree>
+    <p:extLst>
+      <p:ext uri="{BB962C8B-B14F-4D97-AF65-F5344CB8AC3E}">
+        <p14:creationId xmlns:p14="http://schemas.microsoft.com/office/powerpoint/2010/main" val="885433358"/>
+      </p:ext>
+    </p:extLst>
+  </p:cSld>
+  <p:clrMapOvr>
+    <a:masterClrMapping/>
+  </p:clrMapOvr>
+</p:sld>
+</file>
+
+<file path=ppt/slides/slide13.xml><?xml version="1.0" encoding="utf-8"?>
+<p:sld xmlns:a="http://schemas.openxmlformats.org/drawingml/2006/main" xmlns:r="http://schemas.openxmlformats.org/officeDocument/2006/relationships" xmlns:p="http://schemas.openxmlformats.org/presentationml/2006/main">
+  <p:cSld>
+    <p:bg>
+      <p:bgPr>
+        <a:solidFill>
+          <a:srgbClr val="F5A9B3"/>
+        </a:solidFill>
+        <a:effectLst/>
+      </p:bgPr>
+    </p:bg>
+    <p:spTree>
+      <p:nvGrpSpPr>
+        <p:cNvPr id="1" name=""/>
+        <p:cNvGrpSpPr/>
+        <p:nvPr/>
+      </p:nvGrpSpPr>
+      <p:grpSpPr>
+        <a:xfrm>
+          <a:off x="0" y="0"/>
+          <a:ext cx="0" cy="0"/>
+          <a:chOff x="0" y="0"/>
+          <a:chExt cx="0" cy="0"/>
+        </a:xfrm>
+      </p:grpSpPr>
+      <p:sp>
+        <p:nvSpPr>
+          <p:cNvPr id="5" name="Title 1">
+            <a:extLst>
+              <a:ext uri="{FF2B5EF4-FFF2-40B4-BE49-F238E27FC236}">
+                <a16:creationId xmlns:a16="http://schemas.microsoft.com/office/drawing/2014/main" id="{A96DB18F-5C9E-411F-8AC6-EAAAE0F43C77}"/>
+              </a:ext>
+            </a:extLst>
+          </p:cNvPr>
+          <p:cNvSpPr>
+            <a:spLocks noGrp="1"/>
+          </p:cNvSpPr>
+          <p:nvPr>
+            <p:ph type="title"/>
+          </p:nvPr>
+        </p:nvSpPr>
+        <p:spPr>
+          <a:xfrm>
+            <a:off x="716335" y="545928"/>
+            <a:ext cx="6474578" cy="2281355"/>
+          </a:xfrm>
+        </p:spPr>
+        <p:txBody>
+          <a:bodyPr/>
+          <a:lstStyle/>
+          <a:p>
+            <a:r>
+              <a:rPr lang="en-US" dirty="0">
+                <a:solidFill>
+                  <a:schemeClr val="tx1">
+                    <a:lumMod val="95000"/>
+                    <a:lumOff val="5000"/>
+                  </a:schemeClr>
+                </a:solidFill>
+                <a:effectLst>
+                  <a:outerShdw blurRad="38100" dist="38100" dir="2700000" algn="tl">
+                    <a:srgbClr val="000000">
+                      <a:alpha val="43137"/>
+                    </a:srgbClr>
+                  </a:outerShdw>
+                </a:effectLst>
+              </a:rPr>
+              <a:t>Final Output</a:t>
+            </a:r>
+            <a:endParaRPr lang="ru-RU" dirty="0">
+              <a:solidFill>
+                <a:schemeClr val="tx1">
+                  <a:lumMod val="95000"/>
+                  <a:lumOff val="5000"/>
+                </a:schemeClr>
+              </a:solidFill>
+              <a:effectLst>
+                <a:outerShdw blurRad="38100" dist="38100" dir="2700000" algn="tl">
+                  <a:srgbClr val="000000">
+                    <a:alpha val="43137"/>
+                  </a:srgbClr>
+                </a:outerShdw>
+              </a:effectLst>
+            </a:endParaRPr>
+          </a:p>
+        </p:txBody>
+      </p:sp>
+      <p:cxnSp>
+        <p:nvCxnSpPr>
+          <p:cNvPr id="6" name="Straight Connector 5">
+            <a:extLst>
+              <a:ext uri="{FF2B5EF4-FFF2-40B4-BE49-F238E27FC236}">
+                <a16:creationId xmlns:a16="http://schemas.microsoft.com/office/drawing/2014/main" id="{B57C1065-1300-42D8-AC2A-E79E5619ABD0}"/>
+              </a:ext>
+            </a:extLst>
+          </p:cNvPr>
+          <p:cNvCxnSpPr/>
+          <p:nvPr/>
+        </p:nvCxnSpPr>
+        <p:spPr>
+          <a:xfrm>
+            <a:off x="0" y="2449968"/>
+            <a:ext cx="4705165" cy="0"/>
+          </a:xfrm>
+          <a:prstGeom prst="line">
+            <a:avLst/>
+          </a:prstGeom>
+          <a:ln w="127000">
+            <a:solidFill>
+              <a:srgbClr val="DB5A6B"/>
+            </a:solidFill>
+          </a:ln>
+        </p:spPr>
+        <p:style>
+          <a:lnRef idx="1">
+            <a:schemeClr val="accent1"/>
+          </a:lnRef>
+          <a:fillRef idx="0">
+            <a:schemeClr val="accent1"/>
+          </a:fillRef>
+          <a:effectRef idx="0">
+            <a:schemeClr val="accent1"/>
+          </a:effectRef>
+          <a:fontRef idx="minor">
+            <a:schemeClr val="tx1"/>
+          </a:fontRef>
+        </p:style>
+      </p:cxnSp>
+      <p:pic>
+        <p:nvPicPr>
+          <p:cNvPr id="7" name="Picture 6" descr="A screenshot of a cell phone&#10;&#10;Description automatically generated">
+            <a:extLst>
+              <a:ext uri="{FF2B5EF4-FFF2-40B4-BE49-F238E27FC236}">
+                <a16:creationId xmlns:a16="http://schemas.microsoft.com/office/drawing/2014/main" id="{F598F11D-1A67-4B1B-8A5F-2C7F70A6E73D}"/>
+              </a:ext>
+            </a:extLst>
+          </p:cNvPr>
+          <p:cNvPicPr>
+            <a:picLocks noChangeAspect="1"/>
+          </p:cNvPicPr>
+          <p:nvPr/>
+        </p:nvPicPr>
+        <p:blipFill>
+          <a:blip r:embed="rId2">
+            <a:extLst>
+              <a:ext uri="{28A0092B-C50C-407E-A947-70E740481C1C}">
+                <a14:useLocalDpi xmlns:a14="http://schemas.microsoft.com/office/drawing/2010/main" val="0"/>
+              </a:ext>
+            </a:extLst>
+          </a:blip>
+          <a:stretch>
+            <a:fillRect/>
+          </a:stretch>
+        </p:blipFill>
+        <p:spPr>
+          <a:xfrm>
+            <a:off x="4905281" y="350668"/>
+            <a:ext cx="3208582" cy="6156664"/>
+          </a:xfrm>
+          <a:prstGeom prst="rect">
+            <a:avLst/>
+          </a:prstGeom>
+        </p:spPr>
+      </p:pic>
+      <p:pic>
+        <p:nvPicPr>
+          <p:cNvPr id="9" name="Picture 8" descr="A screenshot of a cell phone&#10;&#10;Description automatically generated">
+            <a:extLst>
+              <a:ext uri="{FF2B5EF4-FFF2-40B4-BE49-F238E27FC236}">
+                <a16:creationId xmlns:a16="http://schemas.microsoft.com/office/drawing/2014/main" id="{08960205-3CF3-4EB8-9B8E-D93DD4FA9CA7}"/>
+              </a:ext>
+            </a:extLst>
+          </p:cNvPr>
+          <p:cNvPicPr>
+            <a:picLocks noChangeAspect="1"/>
+          </p:cNvPicPr>
+          <p:nvPr/>
+        </p:nvPicPr>
+        <p:blipFill>
+          <a:blip r:embed="rId3">
+            <a:extLst>
+              <a:ext uri="{28A0092B-C50C-407E-A947-70E740481C1C}">
+                <a14:useLocalDpi xmlns:a14="http://schemas.microsoft.com/office/drawing/2010/main" val="0"/>
+              </a:ext>
+            </a:extLst>
+          </a:blip>
+          <a:stretch>
+            <a:fillRect/>
+          </a:stretch>
+        </p:blipFill>
+        <p:spPr>
+          <a:xfrm>
+            <a:off x="8670520" y="350668"/>
+            <a:ext cx="3163929" cy="6156664"/>
+          </a:xfrm>
+          <a:prstGeom prst="rect">
+            <a:avLst/>
+          </a:prstGeom>
+        </p:spPr>
+      </p:pic>
+    </p:spTree>
+    <p:extLst>
+      <p:ext uri="{BB962C8B-B14F-4D97-AF65-F5344CB8AC3E}">
+        <p14:creationId xmlns:p14="http://schemas.microsoft.com/office/powerpoint/2010/main" val="2509239783"/>
+      </p:ext>
+    </p:extLst>
+  </p:cSld>
+  <p:clrMapOvr>
+    <a:masterClrMapping/>
+  </p:clrMapOvr>
+</p:sld>
+</file>
+
+<file path=ppt/slides/slide14.xml><?xml version="1.0" encoding="utf-8"?>
+<p:sld xmlns:a="http://schemas.openxmlformats.org/drawingml/2006/main" xmlns:r="http://schemas.openxmlformats.org/officeDocument/2006/relationships" xmlns:p="http://schemas.openxmlformats.org/presentationml/2006/main">
+  <p:cSld>
+    <p:bg>
+      <p:bgPr>
+        <a:solidFill>
+          <a:srgbClr val="F5A9B3"/>
+        </a:solidFill>
+        <a:effectLst/>
+      </p:bgPr>
+    </p:bg>
+    <p:spTree>
+      <p:nvGrpSpPr>
+        <p:cNvPr id="1" name=""/>
+        <p:cNvGrpSpPr/>
+        <p:nvPr/>
+      </p:nvGrpSpPr>
+      <p:grpSpPr>
+        <a:xfrm>
+          <a:off x="0" y="0"/>
+          <a:ext cx="0" cy="0"/>
+          <a:chOff x="0" y="0"/>
+          <a:chExt cx="0" cy="0"/>
+        </a:xfrm>
+      </p:grpSpPr>
+      <p:sp>
+        <p:nvSpPr>
+          <p:cNvPr id="5" name="Title 1">
+            <a:extLst>
+              <a:ext uri="{FF2B5EF4-FFF2-40B4-BE49-F238E27FC236}">
+                <a16:creationId xmlns:a16="http://schemas.microsoft.com/office/drawing/2014/main" id="{A96DB18F-5C9E-411F-8AC6-EAAAE0F43C77}"/>
+              </a:ext>
+            </a:extLst>
+          </p:cNvPr>
+          <p:cNvSpPr>
+            <a:spLocks noGrp="1"/>
+          </p:cNvSpPr>
+          <p:nvPr>
+            <p:ph type="title"/>
+          </p:nvPr>
+        </p:nvSpPr>
+        <p:spPr>
+          <a:xfrm>
+            <a:off x="0" y="0"/>
+            <a:ext cx="12192000" cy="6858000"/>
+          </a:xfrm>
+        </p:spPr>
+        <p:txBody>
+          <a:bodyPr/>
+          <a:lstStyle/>
+          <a:p>
+            <a:pPr algn="ctr"/>
             <a:r>
               <a:rPr lang="en-US" dirty="0">
                 <a:solidFill>
@@ -3712,7 +4560,7 @@
 </p:sld>
 </file>
 
-<file path=ppt/slides/slide11.xml><?xml version="1.0" encoding="utf-8"?>
+<file path=ppt/slides/slide15.xml><?xml version="1.0" encoding="utf-8"?>
 <p:sld xmlns:a="http://schemas.openxmlformats.org/drawingml/2006/main" xmlns:r="http://schemas.openxmlformats.org/officeDocument/2006/relationships" xmlns:p="http://schemas.openxmlformats.org/presentationml/2006/main">
   <p:cSld>
     <p:spTree>
@@ -4589,6 +5437,68 @@
           <a:chExt cx="0" cy="0"/>
         </a:xfrm>
       </p:grpSpPr>
+      <p:sp>
+        <p:nvSpPr>
+          <p:cNvPr id="5" name="Title 1">
+            <a:extLst>
+              <a:ext uri="{FF2B5EF4-FFF2-40B4-BE49-F238E27FC236}">
+                <a16:creationId xmlns:a16="http://schemas.microsoft.com/office/drawing/2014/main" id="{A96DB18F-5C9E-411F-8AC6-EAAAE0F43C77}"/>
+              </a:ext>
+            </a:extLst>
+          </p:cNvPr>
+          <p:cNvSpPr>
+            <a:spLocks noGrp="1"/>
+          </p:cNvSpPr>
+          <p:nvPr>
+            <p:ph type="title"/>
+          </p:nvPr>
+        </p:nvSpPr>
+        <p:spPr>
+          <a:xfrm>
+            <a:off x="716335" y="545928"/>
+            <a:ext cx="6474578" cy="2281355"/>
+          </a:xfrm>
+        </p:spPr>
+        <p:txBody>
+          <a:bodyPr/>
+          <a:lstStyle/>
+          <a:p>
+            <a:r>
+              <a:rPr lang="en-US" dirty="0">
+                <a:solidFill>
+                  <a:schemeClr val="tx1">
+                    <a:lumMod val="95000"/>
+                    <a:lumOff val="5000"/>
+                  </a:schemeClr>
+                </a:solidFill>
+                <a:effectLst>
+                  <a:outerShdw blurRad="38100" dist="38100" dir="2700000" algn="tl">
+                    <a:srgbClr val="000000">
+                      <a:alpha val="43137"/>
+                    </a:srgbClr>
+                  </a:outerShdw>
+                </a:effectLst>
+              </a:rPr>
+              <a:t>Solution Setup</a:t>
+            </a:r>
+            <a:endParaRPr lang="ru-RU" dirty="0">
+              <a:solidFill>
+                <a:schemeClr val="tx1">
+                  <a:lumMod val="95000"/>
+                  <a:lumOff val="5000"/>
+                </a:schemeClr>
+              </a:solidFill>
+              <a:effectLst>
+                <a:outerShdw blurRad="38100" dist="38100" dir="2700000" algn="tl">
+                  <a:srgbClr val="000000">
+                    <a:alpha val="43137"/>
+                  </a:srgbClr>
+                </a:outerShdw>
+              </a:effectLst>
+            </a:endParaRPr>
+          </a:p>
+        </p:txBody>
+      </p:sp>
       <p:cxnSp>
         <p:nvCxnSpPr>
           <p:cNvPr id="6" name="Straight Connector 5">
@@ -4632,33 +5542,206 @@
       </p:cxnSp>
       <p:sp>
         <p:nvSpPr>
-          <p:cNvPr id="4" name="Title 3">
-            <a:extLst>
-              <a:ext uri="{FF2B5EF4-FFF2-40B4-BE49-F238E27FC236}">
-                <a16:creationId xmlns:a16="http://schemas.microsoft.com/office/drawing/2014/main" id="{953262F2-331F-4DEA-9D7B-83B14D8565F3}"/>
-              </a:ext>
-            </a:extLst>
-          </p:cNvPr>
-          <p:cNvSpPr>
-            <a:spLocks noGrp="1"/>
-          </p:cNvSpPr>
-          <p:nvPr>
-            <p:ph type="title"/>
-          </p:nvPr>
-        </p:nvSpPr>
-        <p:spPr/>
-        <p:txBody>
-          <a:bodyPr/>
-          <a:lstStyle/>
-          <a:p>
-            <a:endParaRPr lang="en-PH"/>
-          </a:p>
-        </p:txBody>
-      </p:sp>
+          <p:cNvPr id="7" name="TextBox 6">
+            <a:hlinkClick r:id="rId2"/>
+            <a:extLst>
+              <a:ext uri="{FF2B5EF4-FFF2-40B4-BE49-F238E27FC236}">
+                <a16:creationId xmlns:a16="http://schemas.microsoft.com/office/drawing/2014/main" id="{6F5B83B7-A5A3-4EF9-ADB9-A688A58C251C}"/>
+              </a:ext>
+            </a:extLst>
+          </p:cNvPr>
+          <p:cNvSpPr txBox="1"/>
+          <p:nvPr/>
+        </p:nvSpPr>
+        <p:spPr>
+          <a:xfrm>
+            <a:off x="716335" y="2699002"/>
+            <a:ext cx="7060504" cy="4154984"/>
+          </a:xfrm>
+          <a:prstGeom prst="rect">
+            <a:avLst/>
+          </a:prstGeom>
+          <a:noFill/>
+        </p:spPr>
+        <p:txBody>
+          <a:bodyPr wrap="square" rtlCol="0">
+            <a:spAutoFit/>
+          </a:bodyPr>
+          <a:lstStyle/>
+          <a:p>
+            <a:pPr marL="457200" indent="-457200">
+              <a:buFont typeface="+mj-lt"/>
+              <a:buAutoNum type="arabicPeriod"/>
+            </a:pPr>
+            <a:r>
+              <a:rPr lang="en-US" sz="2400" dirty="0"/>
+              <a:t>Create a new Xamarin.Forms Project named </a:t>
+            </a:r>
+            <a:r>
+              <a:rPr lang="en-US" sz="2400" dirty="0" err="1"/>
+              <a:t>SerializeDemo</a:t>
+            </a:r>
+            <a:r>
+              <a:rPr lang="en-US" sz="2400" dirty="0"/>
+              <a:t>. </a:t>
+            </a:r>
+          </a:p>
+          <a:p>
+            <a:pPr marL="457200" indent="-457200">
+              <a:buFont typeface="+mj-lt"/>
+              <a:buAutoNum type="arabicPeriod"/>
+            </a:pPr>
+            <a:r>
+              <a:rPr lang="en-US" sz="2400" dirty="0"/>
+              <a:t>Add a </a:t>
+            </a:r>
+            <a:r>
+              <a:rPr lang="en-US" sz="2400" i="1" dirty="0"/>
+              <a:t>Views</a:t>
+            </a:r>
+            <a:r>
+              <a:rPr lang="en-US" sz="2400" dirty="0"/>
+              <a:t> and </a:t>
+            </a:r>
+            <a:r>
+              <a:rPr lang="en-US" sz="2400" i="1" dirty="0"/>
+              <a:t>ViewModels</a:t>
+            </a:r>
+            <a:r>
+              <a:rPr lang="en-US" sz="2400" dirty="0"/>
+              <a:t> directory in the shared project.</a:t>
+            </a:r>
+          </a:p>
+          <a:p>
+            <a:pPr marL="457200" indent="-457200">
+              <a:buFont typeface="+mj-lt"/>
+              <a:buAutoNum type="arabicPeriod"/>
+            </a:pPr>
+            <a:r>
+              <a:rPr lang="en-US" sz="2400" dirty="0"/>
+              <a:t>Drag the default </a:t>
+            </a:r>
+            <a:r>
+              <a:rPr lang="en-US" sz="2400" dirty="0" err="1"/>
+              <a:t>xaml</a:t>
+            </a:r>
+            <a:r>
+              <a:rPr lang="en-US" sz="2400" dirty="0"/>
+              <a:t> file </a:t>
+            </a:r>
+            <a:r>
+              <a:rPr lang="en-US" sz="2400" i="1" dirty="0" err="1"/>
+              <a:t>MainPage.xaml</a:t>
+            </a:r>
+            <a:r>
+              <a:rPr lang="en-US" sz="2400" dirty="0"/>
+              <a:t> into the </a:t>
+            </a:r>
+            <a:r>
+              <a:rPr lang="en-US" sz="2400" i="1" dirty="0"/>
+              <a:t>Views</a:t>
+            </a:r>
+            <a:r>
+              <a:rPr lang="en-US" sz="2400" dirty="0"/>
+              <a:t> directory.</a:t>
+            </a:r>
+          </a:p>
+          <a:p>
+            <a:pPr marL="457200" indent="-457200">
+              <a:buFont typeface="+mj-lt"/>
+              <a:buAutoNum type="arabicPeriod"/>
+            </a:pPr>
+            <a:r>
+              <a:rPr lang="en-US" sz="2400" dirty="0"/>
+              <a:t>Inside the </a:t>
+            </a:r>
+            <a:r>
+              <a:rPr lang="en-US" sz="2400" i="1" dirty="0"/>
+              <a:t>ViewModels</a:t>
+            </a:r>
+            <a:r>
+              <a:rPr lang="en-US" sz="2400" dirty="0"/>
+              <a:t> directory, add a new class for the view model named </a:t>
+            </a:r>
+            <a:r>
+              <a:rPr lang="en-US" sz="2400" i="1" dirty="0" err="1"/>
+              <a:t>MainPageViewModel.cs</a:t>
+            </a:r>
+            <a:r>
+              <a:rPr lang="en-US" sz="2400" i="1" dirty="0"/>
+              <a:t>.</a:t>
+            </a:r>
+          </a:p>
+          <a:p>
+            <a:pPr marL="457200" indent="-457200">
+              <a:buFont typeface="+mj-lt"/>
+              <a:buAutoNum type="arabicPeriod"/>
+            </a:pPr>
+            <a:r>
+              <a:rPr lang="en-US" sz="2400" dirty="0"/>
+              <a:t>Add another class named </a:t>
+            </a:r>
+            <a:r>
+              <a:rPr lang="en-US" sz="2400" i="1" dirty="0" err="1"/>
+              <a:t>PokemonService.cs</a:t>
+            </a:r>
+            <a:r>
+              <a:rPr lang="en-US" sz="2400" dirty="0"/>
+              <a:t>.</a:t>
+            </a:r>
+          </a:p>
+          <a:p>
+            <a:pPr marL="457200" indent="-457200">
+              <a:buFont typeface="+mj-lt"/>
+              <a:buAutoNum type="arabicPeriod"/>
+            </a:pPr>
+            <a:endParaRPr lang="en-US" sz="2400" dirty="0"/>
+          </a:p>
+          <a:p>
+            <a:endParaRPr lang="en-US" sz="2400" dirty="0"/>
+          </a:p>
+        </p:txBody>
+      </p:sp>
+      <p:pic>
+        <p:nvPicPr>
+          <p:cNvPr id="3" name="Picture 2" descr="A screenshot of a cell phone&#10;&#10;Description automatically generated">
+            <a:extLst>
+              <a:ext uri="{FF2B5EF4-FFF2-40B4-BE49-F238E27FC236}">
+                <a16:creationId xmlns:a16="http://schemas.microsoft.com/office/drawing/2014/main" id="{E73FFBCB-3909-488C-80F1-7E0B8245FE8C}"/>
+              </a:ext>
+            </a:extLst>
+          </p:cNvPr>
+          <p:cNvPicPr>
+            <a:picLocks noChangeAspect="1"/>
+          </p:cNvPicPr>
+          <p:nvPr/>
+        </p:nvPicPr>
+        <p:blipFill>
+          <a:blip r:embed="rId3">
+            <a:extLst>
+              <a:ext uri="{28A0092B-C50C-407E-A947-70E740481C1C}">
+                <a14:useLocalDpi xmlns:a14="http://schemas.microsoft.com/office/drawing/2010/main" val="0"/>
+              </a:ext>
+            </a:extLst>
+          </a:blip>
+          <a:stretch>
+            <a:fillRect/>
+          </a:stretch>
+        </p:blipFill>
+        <p:spPr>
+          <a:xfrm>
+            <a:off x="8194349" y="1547929"/>
+            <a:ext cx="3796233" cy="5134312"/>
+          </a:xfrm>
+          <a:prstGeom prst="rect">
+            <a:avLst/>
+          </a:prstGeom>
+        </p:spPr>
+      </p:pic>
     </p:spTree>
     <p:extLst>
       <p:ext uri="{BB962C8B-B14F-4D97-AF65-F5344CB8AC3E}">
-        <p14:creationId xmlns:p14="http://schemas.microsoft.com/office/powerpoint/2010/main" val="1770722718"/>
+        <p14:creationId xmlns:p14="http://schemas.microsoft.com/office/powerpoint/2010/main" val="3270346092"/>
       </p:ext>
     </p:extLst>
   </p:cSld>
@@ -4712,7 +5795,7 @@
         <p:spPr>
           <a:xfrm>
             <a:off x="716335" y="545928"/>
-            <a:ext cx="5986306" cy="2281355"/>
+            <a:ext cx="6474578" cy="2281355"/>
           </a:xfrm>
         </p:spPr>
         <p:txBody>
@@ -4720,7 +5803,7 @@
           <a:lstStyle/>
           <a:p>
             <a:r>
-              <a:rPr lang="en-US" dirty="0">
+              <a:rPr lang="en-US" dirty="0" err="1">
                 <a:solidFill>
                   <a:schemeClr val="tx1">
                     <a:lumMod val="95000"/>
@@ -4735,7 +5818,7 @@
                   </a:outerShdw>
                 </a:effectLst>
               </a:rPr>
-              <a:t>Effects?</a:t>
+              <a:t>MainPage.xaml</a:t>
             </a:r>
             <a:endParaRPr lang="ru-RU" dirty="0">
               <a:solidFill>
@@ -4798,11 +5881,11 @@
       </p:cxnSp>
       <p:sp>
         <p:nvSpPr>
-          <p:cNvPr id="8" name="TextBox 7">
+          <p:cNvPr id="7" name="TextBox 6">
             <a:hlinkClick r:id="rId2"/>
             <a:extLst>
               <a:ext uri="{FF2B5EF4-FFF2-40B4-BE49-F238E27FC236}">
-                <a16:creationId xmlns:a16="http://schemas.microsoft.com/office/drawing/2014/main" id="{FCEDABA8-2D75-44A2-B079-177FBD23D2E8}"/>
+                <a16:creationId xmlns:a16="http://schemas.microsoft.com/office/drawing/2014/main" id="{6F5B83B7-A5A3-4EF9-ADB9-A688A58C251C}"/>
               </a:ext>
             </a:extLst>
           </p:cNvPr>
@@ -4811,8 +5894,8 @@
         </p:nvSpPr>
         <p:spPr>
           <a:xfrm>
-            <a:off x="716335" y="3172777"/>
-            <a:ext cx="6976175" cy="1200329"/>
+            <a:off x="716335" y="2699002"/>
+            <a:ext cx="7060504" cy="830997"/>
           </a:xfrm>
           <a:prstGeom prst="rect">
             <a:avLst/>
@@ -4825,18 +5908,53 @@
           </a:bodyPr>
           <a:lstStyle/>
           <a:p>
-            <a:r>
-              <a:rPr lang="en-PH" sz="2400" dirty="0"/>
-              <a:t>Effects allow the native controls on each platform to be customized, and are typically used for small styling changes</a:t>
-            </a:r>
             <a:endParaRPr lang="en-US" sz="2400" dirty="0"/>
           </a:p>
-        </p:txBody>
-      </p:sp>
+          <a:p>
+            <a:endParaRPr lang="en-US" sz="2400" dirty="0"/>
+          </a:p>
+        </p:txBody>
+      </p:sp>
+      <p:pic>
+        <p:nvPicPr>
+          <p:cNvPr id="4" name="Picture 3" descr="A screenshot of a cell phone&#10;&#10;Description automatically generated">
+            <a:extLst>
+              <a:ext uri="{FF2B5EF4-FFF2-40B4-BE49-F238E27FC236}">
+                <a16:creationId xmlns:a16="http://schemas.microsoft.com/office/drawing/2014/main" id="{15ADEFAD-4AD1-4C4E-87DF-5498BC01081D}"/>
+              </a:ext>
+            </a:extLst>
+          </p:cNvPr>
+          <p:cNvPicPr>
+            <a:picLocks noChangeAspect="1"/>
+          </p:cNvPicPr>
+          <p:nvPr/>
+        </p:nvPicPr>
+        <p:blipFill>
+          <a:blip r:embed="rId3">
+            <a:extLst>
+              <a:ext uri="{28A0092B-C50C-407E-A947-70E740481C1C}">
+                <a14:useLocalDpi xmlns:a14="http://schemas.microsoft.com/office/drawing/2010/main" val="0"/>
+              </a:ext>
+            </a:extLst>
+          </a:blip>
+          <a:stretch>
+            <a:fillRect/>
+          </a:stretch>
+        </p:blipFill>
+        <p:spPr>
+          <a:xfrm>
+            <a:off x="5107623" y="492137"/>
+            <a:ext cx="6744070" cy="6062179"/>
+          </a:xfrm>
+          <a:prstGeom prst="rect">
+            <a:avLst/>
+          </a:prstGeom>
+        </p:spPr>
+      </p:pic>
     </p:spTree>
     <p:extLst>
       <p:ext uri="{BB962C8B-B14F-4D97-AF65-F5344CB8AC3E}">
-        <p14:creationId xmlns:p14="http://schemas.microsoft.com/office/powerpoint/2010/main" val="2233236329"/>
+        <p14:creationId xmlns:p14="http://schemas.microsoft.com/office/powerpoint/2010/main" val="3610816596"/>
       </p:ext>
     </p:extLst>
   </p:cSld>
@@ -4889,8 +6007,8 @@
         </p:nvSpPr>
         <p:spPr>
           <a:xfrm>
-            <a:off x="716335" y="545928"/>
-            <a:ext cx="5986306" cy="2281355"/>
+            <a:off x="716334" y="545928"/>
+            <a:ext cx="6057327" cy="2281355"/>
           </a:xfrm>
         </p:spPr>
         <p:txBody>
@@ -4898,7 +6016,7 @@
           <a:lstStyle/>
           <a:p>
             <a:r>
-              <a:rPr lang="en-US" dirty="0">
+              <a:rPr lang="en-US" dirty="0" err="1">
                 <a:solidFill>
                   <a:schemeClr val="tx1">
                     <a:lumMod val="95000"/>
@@ -4913,7 +6031,7 @@
                   </a:outerShdw>
                 </a:effectLst>
               </a:rPr>
-              <a:t>Custom Renderers?</a:t>
+              <a:t>MainPageViewModel.cs</a:t>
             </a:r>
             <a:endParaRPr lang="ru-RU" dirty="0">
               <a:solidFill>
@@ -4976,10 +6094,11 @@
       </p:cxnSp>
       <p:sp>
         <p:nvSpPr>
-          <p:cNvPr id="8" name="TextBox 7">
-            <a:extLst>
-              <a:ext uri="{FF2B5EF4-FFF2-40B4-BE49-F238E27FC236}">
-                <a16:creationId xmlns:a16="http://schemas.microsoft.com/office/drawing/2014/main" id="{65830603-386F-438E-A449-7A6BE82C31D6}"/>
+          <p:cNvPr id="7" name="TextBox 6">
+            <a:hlinkClick r:id="rId2"/>
+            <a:extLst>
+              <a:ext uri="{FF2B5EF4-FFF2-40B4-BE49-F238E27FC236}">
+                <a16:creationId xmlns:a16="http://schemas.microsoft.com/office/drawing/2014/main" id="{6F5B83B7-A5A3-4EF9-ADB9-A688A58C251C}"/>
               </a:ext>
             </a:extLst>
           </p:cNvPr>
@@ -4988,63 +6107,82 @@
         </p:nvSpPr>
         <p:spPr>
           <a:xfrm>
-            <a:off x="716334" y="2965001"/>
-            <a:ext cx="10256465" cy="2281349"/>
+            <a:off x="716335" y="3595647"/>
+            <a:ext cx="6598865" cy="1200329"/>
           </a:xfrm>
           <a:prstGeom prst="rect">
             <a:avLst/>
           </a:prstGeom>
-        </p:spPr>
-        <p:txBody>
-          <a:bodyPr vert="horz" lIns="91440" tIns="45720" rIns="91440" bIns="45720" rtlCol="0">
-            <a:normAutofit/>
+          <a:noFill/>
+        </p:spPr>
+        <p:txBody>
+          <a:bodyPr wrap="square" rtlCol="0">
+            <a:spAutoFit/>
           </a:bodyPr>
           <a:lstStyle/>
           <a:p>
-            <a:pPr>
-              <a:lnSpc>
-                <a:spcPct val="90000"/>
-              </a:lnSpc>
-              <a:spcBef>
-                <a:spcPts val="1000"/>
-              </a:spcBef>
-            </a:pPr>
-            <a:r>
-              <a:rPr lang="en-PH" sz="2400" dirty="0" err="1"/>
-              <a:t>Xamarin.Forms</a:t>
-            </a:r>
-            <a:r>
-              <a:rPr lang="en-PH" sz="2400" dirty="0"/>
-              <a:t> user interfaces are rendered using the native controls of the target platform, allowing </a:t>
-            </a:r>
-            <a:r>
-              <a:rPr lang="en-PH" sz="2400" dirty="0" err="1"/>
-              <a:t>Xamarin.Forms</a:t>
-            </a:r>
-            <a:r>
-              <a:rPr lang="en-PH" sz="2400" dirty="0"/>
-              <a:t> applications to retain the appropriate look and feel for each platform. Custom Renderers let developers override this process to customize the appearance and behavior of </a:t>
-            </a:r>
-            <a:r>
-              <a:rPr lang="en-PH" sz="2400" dirty="0" err="1"/>
-              <a:t>Xamarin.Forms</a:t>
-            </a:r>
-            <a:r>
-              <a:rPr lang="en-PH" sz="2400" dirty="0"/>
-              <a:t> controls on each platform.</a:t>
-            </a:r>
-            <a:endParaRPr lang="en-US" sz="2400" kern="1200" dirty="0">
-              <a:latin typeface="+mn-lt"/>
-              <a:ea typeface="+mn-ea"/>
-              <a:cs typeface="+mn-cs"/>
-            </a:endParaRPr>
-          </a:p>
-        </p:txBody>
-      </p:sp>
+            <a:r>
+              <a:rPr lang="en-US" sz="2400" dirty="0"/>
+              <a:t>NOTE: Do not forget to install </a:t>
+            </a:r>
+            <a:r>
+              <a:rPr lang="en-US" sz="2400" i="1" dirty="0" err="1"/>
+              <a:t>Newtonsoft.Json</a:t>
+            </a:r>
+            <a:r>
+              <a:rPr lang="en-US" sz="2400" i="1" dirty="0"/>
+              <a:t> </a:t>
+            </a:r>
+            <a:r>
+              <a:rPr lang="en-US" sz="2400" dirty="0"/>
+              <a:t>which is needed in Serialize/Deserialize Json.</a:t>
+            </a:r>
+          </a:p>
+          <a:p>
+            <a:endParaRPr lang="en-US" sz="2400" dirty="0"/>
+          </a:p>
+        </p:txBody>
+      </p:sp>
+      <p:pic>
+        <p:nvPicPr>
+          <p:cNvPr id="3" name="Picture 2" descr="A screenshot of a cell phone&#10;&#10;Description automatically generated">
+            <a:extLst>
+              <a:ext uri="{FF2B5EF4-FFF2-40B4-BE49-F238E27FC236}">
+                <a16:creationId xmlns:a16="http://schemas.microsoft.com/office/drawing/2014/main" id="{EA0D041A-B467-404B-A2AB-746B20D0DEBF}"/>
+              </a:ext>
+            </a:extLst>
+          </p:cNvPr>
+          <p:cNvPicPr>
+            <a:picLocks noChangeAspect="1"/>
+          </p:cNvPicPr>
+          <p:nvPr/>
+        </p:nvPicPr>
+        <p:blipFill>
+          <a:blip r:embed="rId3">
+            <a:extLst>
+              <a:ext uri="{28A0092B-C50C-407E-A947-70E740481C1C}">
+                <a14:useLocalDpi xmlns:a14="http://schemas.microsoft.com/office/drawing/2010/main" val="0"/>
+              </a:ext>
+            </a:extLst>
+          </a:blip>
+          <a:stretch>
+            <a:fillRect/>
+          </a:stretch>
+        </p:blipFill>
+        <p:spPr>
+          <a:xfrm>
+            <a:off x="7486837" y="209340"/>
+            <a:ext cx="4121490" cy="6439319"/>
+          </a:xfrm>
+          <a:prstGeom prst="rect">
+            <a:avLst/>
+          </a:prstGeom>
+        </p:spPr>
+      </p:pic>
     </p:spTree>
     <p:extLst>
       <p:ext uri="{BB962C8B-B14F-4D97-AF65-F5344CB8AC3E}">
-        <p14:creationId xmlns:p14="http://schemas.microsoft.com/office/powerpoint/2010/main" val="2719484110"/>
+        <p14:creationId xmlns:p14="http://schemas.microsoft.com/office/powerpoint/2010/main" val="1681023520"/>
       </p:ext>
     </p:extLst>
   </p:cSld>
@@ -5097,8 +6235,8 @@
         </p:nvSpPr>
         <p:spPr>
           <a:xfrm>
-            <a:off x="738529" y="304353"/>
-            <a:ext cx="3207595" cy="2281355"/>
+            <a:off x="716335" y="545928"/>
+            <a:ext cx="3864544" cy="2281355"/>
           </a:xfrm>
         </p:spPr>
         <p:txBody>
@@ -5106,7 +6244,7 @@
           <a:lstStyle/>
           <a:p>
             <a:r>
-              <a:rPr lang="en-US" dirty="0">
+              <a:rPr lang="en-US" dirty="0" err="1">
                 <a:solidFill>
                   <a:schemeClr val="tx1">
                     <a:lumMod val="95000"/>
@@ -5121,42 +6259,7 @@
                   </a:outerShdw>
                 </a:effectLst>
               </a:rPr>
-              <a:t>Forms UI </a:t>
-            </a:r>
-            <a:br>
-              <a:rPr lang="en-US" dirty="0">
-                <a:solidFill>
-                  <a:schemeClr val="tx1">
-                    <a:lumMod val="95000"/>
-                    <a:lumOff val="5000"/>
-                  </a:schemeClr>
-                </a:solidFill>
-                <a:effectLst>
-                  <a:outerShdw blurRad="38100" dist="38100" dir="2700000" algn="tl">
-                    <a:srgbClr val="000000">
-                      <a:alpha val="43137"/>
-                    </a:srgbClr>
-                  </a:outerShdw>
-                </a:effectLst>
-              </a:rPr>
-            </a:br>
-            <a:r>
-              <a:rPr lang="en-US" dirty="0">
-                <a:solidFill>
-                  <a:schemeClr val="tx1">
-                    <a:lumMod val="95000"/>
-                    <a:lumOff val="5000"/>
-                  </a:schemeClr>
-                </a:solidFill>
-                <a:effectLst>
-                  <a:outerShdw blurRad="38100" dist="38100" dir="2700000" algn="tl">
-                    <a:srgbClr val="000000">
-                      <a:alpha val="43137"/>
-                    </a:srgbClr>
-                  </a:outerShdw>
-                </a:effectLst>
-              </a:rPr>
-              <a:t>to Native</a:t>
+              <a:t>MainPageViewModel.cs</a:t>
             </a:r>
             <a:endParaRPr lang="ru-RU" dirty="0">
               <a:solidFill>
@@ -5185,15 +6288,13 @@
               </a:ext>
             </a:extLst>
           </p:cNvPr>
-          <p:cNvCxnSpPr>
-            <a:cxnSpLocks/>
-          </p:cNvCxnSpPr>
+          <p:cNvCxnSpPr/>
           <p:nvPr/>
         </p:nvCxnSpPr>
         <p:spPr>
           <a:xfrm>
             <a:off x="0" y="2449968"/>
-            <a:ext cx="3773010" cy="0"/>
+            <a:ext cx="4705165" cy="0"/>
           </a:xfrm>
           <a:prstGeom prst="line">
             <a:avLst/>
@@ -5221,10 +6322,10 @@
       </p:cxnSp>
       <p:pic>
         <p:nvPicPr>
-          <p:cNvPr id="3" name="Picture 2">
-            <a:extLst>
-              <a:ext uri="{FF2B5EF4-FFF2-40B4-BE49-F238E27FC236}">
-                <a16:creationId xmlns:a16="http://schemas.microsoft.com/office/drawing/2014/main" id="{CE893802-42D8-4C20-A0B5-2A88714B2421}"/>
+          <p:cNvPr id="4" name="Picture 3" descr="A screenshot of a cell phone&#10;&#10;Description automatically generated">
+            <a:extLst>
+              <a:ext uri="{FF2B5EF4-FFF2-40B4-BE49-F238E27FC236}">
+                <a16:creationId xmlns:a16="http://schemas.microsoft.com/office/drawing/2014/main" id="{1FB049CF-6597-4B43-8796-0CBBDDC6482A}"/>
               </a:ext>
             </a:extLst>
           </p:cNvPr>
@@ -5234,15 +6335,57 @@
           <p:nvPr/>
         </p:nvPicPr>
         <p:blipFill>
-          <a:blip r:embed="rId2"/>
+          <a:blip r:embed="rId2">
+            <a:extLst>
+              <a:ext uri="{28A0092B-C50C-407E-A947-70E740481C1C}">
+                <a14:useLocalDpi xmlns:a14="http://schemas.microsoft.com/office/drawing/2010/main" val="0"/>
+              </a:ext>
+            </a:extLst>
+          </a:blip>
           <a:stretch>
             <a:fillRect/>
           </a:stretch>
         </p:blipFill>
         <p:spPr>
           <a:xfrm>
-            <a:off x="4119239" y="206699"/>
-            <a:ext cx="7506724" cy="6444602"/>
+            <a:off x="6095999" y="244734"/>
+            <a:ext cx="5749771" cy="4706956"/>
+          </a:xfrm>
+          <a:prstGeom prst="rect">
+            <a:avLst/>
+          </a:prstGeom>
+        </p:spPr>
+      </p:pic>
+      <p:pic>
+        <p:nvPicPr>
+          <p:cNvPr id="9" name="Picture 8" descr="A screenshot of a cell phone&#10;&#10;Description automatically generated">
+            <a:extLst>
+              <a:ext uri="{FF2B5EF4-FFF2-40B4-BE49-F238E27FC236}">
+                <a16:creationId xmlns:a16="http://schemas.microsoft.com/office/drawing/2014/main" id="{3BCDF5D4-7E86-4B2D-B94C-E5E16D7EB2EA}"/>
+              </a:ext>
+            </a:extLst>
+          </p:cNvPr>
+          <p:cNvPicPr>
+            <a:picLocks noChangeAspect="1"/>
+          </p:cNvPicPr>
+          <p:nvPr/>
+        </p:nvPicPr>
+        <p:blipFill>
+          <a:blip r:embed="rId3">
+            <a:extLst>
+              <a:ext uri="{28A0092B-C50C-407E-A947-70E740481C1C}">
+                <a14:useLocalDpi xmlns:a14="http://schemas.microsoft.com/office/drawing/2010/main" val="0"/>
+              </a:ext>
+            </a:extLst>
+          </a:blip>
+          <a:stretch>
+            <a:fillRect/>
+          </a:stretch>
+        </p:blipFill>
+        <p:spPr>
+          <a:xfrm>
+            <a:off x="6095999" y="5018496"/>
+            <a:ext cx="5749771" cy="1664607"/>
           </a:xfrm>
           <a:prstGeom prst="rect">
             <a:avLst/>
@@ -5252,7 +6395,7 @@
     </p:spTree>
     <p:extLst>
       <p:ext uri="{BB962C8B-B14F-4D97-AF65-F5344CB8AC3E}">
-        <p14:creationId xmlns:p14="http://schemas.microsoft.com/office/powerpoint/2010/main" val="4236032219"/>
+        <p14:creationId xmlns:p14="http://schemas.microsoft.com/office/powerpoint/2010/main" val="3858083474"/>
       </p:ext>
     </p:extLst>
   </p:cSld>
@@ -5305,8 +6448,8 @@
         </p:nvSpPr>
         <p:spPr>
           <a:xfrm>
-            <a:off x="716334" y="545928"/>
-            <a:ext cx="6607743" cy="2281355"/>
+            <a:off x="583165" y="545928"/>
+            <a:ext cx="6341413" cy="2281355"/>
           </a:xfrm>
         </p:spPr>
         <p:txBody>
@@ -5314,7 +6457,7 @@
           <a:lstStyle/>
           <a:p>
             <a:r>
-              <a:rPr lang="en-US" dirty="0">
+              <a:rPr lang="en-PH" dirty="0" err="1">
                 <a:solidFill>
                   <a:schemeClr val="tx1">
                     <a:lumMod val="95000"/>
@@ -5329,7 +6472,7 @@
                   </a:outerShdw>
                 </a:effectLst>
               </a:rPr>
-              <a:t>Tools for Designing UI</a:t>
+              <a:t>PokemonService.cs</a:t>
             </a:r>
             <a:endParaRPr lang="ru-RU" dirty="0">
               <a:solidFill>
@@ -5392,10 +6535,10 @@
       </p:cxnSp>
       <p:pic>
         <p:nvPicPr>
-          <p:cNvPr id="3" name="Picture 2" descr="A picture containing clipart&#10;&#10;Description automatically generated">
-            <a:extLst>
-              <a:ext uri="{FF2B5EF4-FFF2-40B4-BE49-F238E27FC236}">
-                <a16:creationId xmlns:a16="http://schemas.microsoft.com/office/drawing/2014/main" id="{DEB93F2A-185B-4BAE-BF19-0864EC2C5758}"/>
+          <p:cNvPr id="3" name="Picture 2" descr="A screenshot of a cell phone&#10;&#10;Description automatically generated">
+            <a:extLst>
+              <a:ext uri="{FF2B5EF4-FFF2-40B4-BE49-F238E27FC236}">
+                <a16:creationId xmlns:a16="http://schemas.microsoft.com/office/drawing/2014/main" id="{0EEE4111-7F79-4647-9DE4-56A9D562B985}"/>
               </a:ext>
             </a:extLst>
           </p:cNvPr>
@@ -5418,110 +6561,8 @@
         </p:blipFill>
         <p:spPr>
           <a:xfrm>
-            <a:off x="1020608" y="2959155"/>
-            <a:ext cx="2143125" cy="2143125"/>
-          </a:xfrm>
-          <a:prstGeom prst="rect">
-            <a:avLst/>
-          </a:prstGeom>
-        </p:spPr>
-      </p:pic>
-      <p:pic>
-        <p:nvPicPr>
-          <p:cNvPr id="9" name="Picture 8">
-            <a:extLst>
-              <a:ext uri="{FF2B5EF4-FFF2-40B4-BE49-F238E27FC236}">
-                <a16:creationId xmlns:a16="http://schemas.microsoft.com/office/drawing/2014/main" id="{E2EE5317-2FBF-47CB-9703-DEE5019170C9}"/>
-              </a:ext>
-            </a:extLst>
-          </p:cNvPr>
-          <p:cNvPicPr>
-            <a:picLocks noChangeAspect="1"/>
-          </p:cNvPicPr>
-          <p:nvPr/>
-        </p:nvPicPr>
-        <p:blipFill>
-          <a:blip r:embed="rId3"/>
-          <a:stretch>
-            <a:fillRect/>
-          </a:stretch>
-        </p:blipFill>
-        <p:spPr>
-          <a:xfrm>
-            <a:off x="3691406" y="2827283"/>
-            <a:ext cx="4542857" cy="1895238"/>
-          </a:xfrm>
-          <a:prstGeom prst="rect">
-            <a:avLst/>
-          </a:prstGeom>
-        </p:spPr>
-      </p:pic>
-      <p:pic>
-        <p:nvPicPr>
-          <p:cNvPr id="11" name="Picture 10" descr="A close up of a sign&#10;&#10;Description automatically generated">
-            <a:extLst>
-              <a:ext uri="{FF2B5EF4-FFF2-40B4-BE49-F238E27FC236}">
-                <a16:creationId xmlns:a16="http://schemas.microsoft.com/office/drawing/2014/main" id="{5AE49589-394D-4916-927E-00E0268A256F}"/>
-              </a:ext>
-            </a:extLst>
-          </p:cNvPr>
-          <p:cNvPicPr>
-            <a:picLocks noChangeAspect="1"/>
-          </p:cNvPicPr>
-          <p:nvPr/>
-        </p:nvPicPr>
-        <p:blipFill>
-          <a:blip r:embed="rId4">
-            <a:extLst>
-              <a:ext uri="{28A0092B-C50C-407E-A947-70E740481C1C}">
-                <a14:useLocalDpi xmlns:a14="http://schemas.microsoft.com/office/drawing/2010/main" val="0"/>
-              </a:ext>
-            </a:extLst>
-          </a:blip>
-          <a:stretch>
-            <a:fillRect/>
-          </a:stretch>
-        </p:blipFill>
-        <p:spPr>
-          <a:xfrm>
-            <a:off x="3691406" y="5099835"/>
-            <a:ext cx="3992888" cy="850394"/>
-          </a:xfrm>
-          <a:prstGeom prst="rect">
-            <a:avLst/>
-          </a:prstGeom>
-        </p:spPr>
-      </p:pic>
-      <p:pic>
-        <p:nvPicPr>
-          <p:cNvPr id="13" name="Picture 12" descr="A close up of a logo&#10;&#10;Description automatically generated">
-            <a:extLst>
-              <a:ext uri="{FF2B5EF4-FFF2-40B4-BE49-F238E27FC236}">
-                <a16:creationId xmlns:a16="http://schemas.microsoft.com/office/drawing/2014/main" id="{D39AD25F-15F4-4755-A7D4-98C226B06569}"/>
-              </a:ext>
-            </a:extLst>
-          </p:cNvPr>
-          <p:cNvPicPr>
-            <a:picLocks noChangeAspect="1"/>
-          </p:cNvPicPr>
-          <p:nvPr/>
-        </p:nvPicPr>
-        <p:blipFill>
-          <a:blip r:embed="rId5">
-            <a:extLst>
-              <a:ext uri="{28A0092B-C50C-407E-A947-70E740481C1C}">
-                <a14:useLocalDpi xmlns:a14="http://schemas.microsoft.com/office/drawing/2010/main" val="0"/>
-              </a:ext>
-            </a:extLst>
-          </a:blip>
-          <a:stretch>
-            <a:fillRect/>
-          </a:stretch>
-        </p:blipFill>
-        <p:spPr>
-          <a:xfrm>
-            <a:off x="8895587" y="3070986"/>
-            <a:ext cx="2275805" cy="2275805"/>
+            <a:off x="5288330" y="2340483"/>
+            <a:ext cx="6639852" cy="4220164"/>
           </a:xfrm>
           <a:prstGeom prst="rect">
             <a:avLst/>
@@ -5531,7 +6572,7 @@
     </p:spTree>
     <p:extLst>
       <p:ext uri="{BB962C8B-B14F-4D97-AF65-F5344CB8AC3E}">
-        <p14:creationId xmlns:p14="http://schemas.microsoft.com/office/powerpoint/2010/main" val="2353457561"/>
+        <p14:creationId xmlns:p14="http://schemas.microsoft.com/office/powerpoint/2010/main" val="481402330"/>
       </p:ext>
     </p:extLst>
   </p:cSld>
